--- a/Projekt - HeiseMatrix/MySQL.pptx
+++ b/Projekt - HeiseMatrix/MySQL.pptx
@@ -5,30 +5,34 @@
     <p:sldMasterId id="2147483648" r:id="rId1"/>
   </p:sldMasterIdLst>
   <p:notesMasterIdLst>
-    <p:notesMasterId r:id="rId18"/>
+    <p:notesMasterId r:id="rId19"/>
   </p:notesMasterIdLst>
+  <p:handoutMasterIdLst>
+    <p:handoutMasterId r:id="rId20"/>
+  </p:handoutMasterIdLst>
   <p:sldIdLst>
     <p:sldId id="257" r:id="rId2"/>
-    <p:sldId id="276" r:id="rId3"/>
-    <p:sldId id="256" r:id="rId4"/>
-    <p:sldId id="262" r:id="rId5"/>
-    <p:sldId id="261" r:id="rId6"/>
-    <p:sldId id="263" r:id="rId7"/>
-    <p:sldId id="264" r:id="rId8"/>
-    <p:sldId id="265" r:id="rId9"/>
-    <p:sldId id="266" r:id="rId10"/>
-    <p:sldId id="267" r:id="rId11"/>
-    <p:sldId id="268" r:id="rId12"/>
-    <p:sldId id="270" r:id="rId13"/>
-    <p:sldId id="272" r:id="rId14"/>
-    <p:sldId id="273" r:id="rId15"/>
-    <p:sldId id="274" r:id="rId16"/>
-    <p:sldId id="275" r:id="rId17"/>
+    <p:sldId id="277" r:id="rId3"/>
+    <p:sldId id="276" r:id="rId4"/>
+    <p:sldId id="256" r:id="rId5"/>
+    <p:sldId id="262" r:id="rId6"/>
+    <p:sldId id="261" r:id="rId7"/>
+    <p:sldId id="263" r:id="rId8"/>
+    <p:sldId id="264" r:id="rId9"/>
+    <p:sldId id="265" r:id="rId10"/>
+    <p:sldId id="266" r:id="rId11"/>
+    <p:sldId id="267" r:id="rId12"/>
+    <p:sldId id="268" r:id="rId13"/>
+    <p:sldId id="270" r:id="rId14"/>
+    <p:sldId id="272" r:id="rId15"/>
+    <p:sldId id="273" r:id="rId16"/>
+    <p:sldId id="274" r:id="rId17"/>
+    <p:sldId id="275" r:id="rId18"/>
   </p:sldIdLst>
   <p:sldSz cx="10693400" cy="7562850"/>
   <p:notesSz cx="6858000" cy="9144000"/>
   <p:custDataLst>
-    <p:tags r:id="rId19"/>
+    <p:tags r:id="rId21"/>
   </p:custDataLst>
   <p:defaultTextStyle>
     <a:defPPr>
@@ -1442,7 +1446,7 @@
         </a:ln>
         <a:extLst xmlns:a="http://schemas.openxmlformats.org/drawingml/2006/main">
           <a:ext uri="{909E8E84-426E-40dd-AFC4-6F175D3DCCD1}">
-            <a14:hiddenFill xmlns="" xmlns:a14="http://schemas.microsoft.com/office/drawing/2010/main">
+            <a14:hiddenFill xmlns:a14="http://schemas.microsoft.com/office/drawing/2010/main" xmlns="">
               <a:noFill/>
             </a14:hiddenFill>
           </a:ext>
@@ -1486,7 +1490,7 @@
         </a:ln>
         <a:extLst xmlns:a="http://schemas.openxmlformats.org/drawingml/2006/main">
           <a:ext uri="{909E8E84-426E-40dd-AFC4-6F175D3DCCD1}">
-            <a14:hiddenFill xmlns="" xmlns:a14="http://schemas.microsoft.com/office/drawing/2010/main">
+            <a14:hiddenFill xmlns:a14="http://schemas.microsoft.com/office/drawing/2010/main" xmlns="">
               <a:noFill/>
             </a14:hiddenFill>
           </a:ext>
@@ -1530,7 +1534,7 @@
         </a:ln>
         <a:extLst xmlns:a="http://schemas.openxmlformats.org/drawingml/2006/main">
           <a:ext uri="{909E8E84-426E-40dd-AFC4-6F175D3DCCD1}">
-            <a14:hiddenFill xmlns="" xmlns:a14="http://schemas.microsoft.com/office/drawing/2010/main">
+            <a14:hiddenFill xmlns:a14="http://schemas.microsoft.com/office/drawing/2010/main" xmlns="">
               <a:noFill/>
             </a14:hiddenFill>
           </a:ext>
@@ -1574,7 +1578,7 @@
         </a:ln>
         <a:extLst xmlns:a="http://schemas.openxmlformats.org/drawingml/2006/main">
           <a:ext uri="{909E8E84-426E-40dd-AFC4-6F175D3DCCD1}">
-            <a14:hiddenFill xmlns="" xmlns:a14="http://schemas.microsoft.com/office/drawing/2010/main">
+            <a14:hiddenFill xmlns:a14="http://schemas.microsoft.com/office/drawing/2010/main" xmlns="">
               <a:noFill/>
             </a14:hiddenFill>
           </a:ext>
@@ -1618,7 +1622,7 @@
         </a:ln>
         <a:extLst xmlns:a="http://schemas.openxmlformats.org/drawingml/2006/main">
           <a:ext uri="{909E8E84-426E-40dd-AFC4-6F175D3DCCD1}">
-            <a14:hiddenFill xmlns="" xmlns:a14="http://schemas.microsoft.com/office/drawing/2010/main">
+            <a14:hiddenFill xmlns:a14="http://schemas.microsoft.com/office/drawing/2010/main" xmlns="">
               <a:noFill/>
             </a14:hiddenFill>
           </a:ext>
@@ -1627,6 +1631,196 @@
     </cdr:sp>
   </cdr:relSizeAnchor>
 </c:userShapes>
+</file>
+
+<file path=ppt/handoutMasters/handoutMaster1.xml><?xml version="1.0" encoding="utf-8"?>
+<p:handoutMaster xmlns:a="http://schemas.openxmlformats.org/drawingml/2006/main" xmlns:r="http://schemas.openxmlformats.org/officeDocument/2006/relationships" xmlns:p="http://schemas.openxmlformats.org/presentationml/2006/main">
+  <p:cSld>
+    <p:bg>
+      <p:bgRef idx="1001">
+        <a:schemeClr val="bg1"/>
+      </p:bgRef>
+    </p:bg>
+    <p:spTree>
+      <p:nvGrpSpPr>
+        <p:cNvPr id="1" name=""/>
+        <p:cNvGrpSpPr/>
+        <p:nvPr/>
+      </p:nvGrpSpPr>
+      <p:grpSpPr>
+        <a:xfrm>
+          <a:off x="0" y="0"/>
+          <a:ext cx="0" cy="0"/>
+          <a:chOff x="0" y="0"/>
+          <a:chExt cx="0" cy="0"/>
+        </a:xfrm>
+      </p:grpSpPr>
+      <p:sp>
+        <p:nvSpPr>
+          <p:cNvPr id="2" name="Kopfzeilenplatzhalter 1">
+            <a:extLst>
+              <a:ext uri="{FF2B5EF4-FFF2-40B4-BE49-F238E27FC236}">
+                <a16:creationId xmlns:a16="http://schemas.microsoft.com/office/drawing/2014/main" id="{0B917719-CAF2-BB6A-8B16-0944139246F7}"/>
+              </a:ext>
+            </a:extLst>
+          </p:cNvPr>
+          <p:cNvSpPr>
+            <a:spLocks noGrp="1"/>
+          </p:cNvSpPr>
+          <p:nvPr>
+            <p:ph type="hdr" sz="quarter"/>
+          </p:nvPr>
+        </p:nvSpPr>
+        <p:spPr>
+          <a:xfrm>
+            <a:off x="0" y="0"/>
+            <a:ext cx="2971800" cy="458788"/>
+          </a:xfrm>
+          <a:prstGeom prst="rect">
+            <a:avLst/>
+          </a:prstGeom>
+        </p:spPr>
+        <p:txBody>
+          <a:bodyPr vert="horz" lIns="91440" tIns="45720" rIns="91440" bIns="45720" rtlCol="0"/>
+          <a:lstStyle>
+            <a:lvl1pPr algn="l">
+              <a:defRPr sz="1200"/>
+            </a:lvl1pPr>
+          </a:lstStyle>
+          <a:p>
+            <a:endParaRPr lang="de-DE"/>
+          </a:p>
+        </p:txBody>
+      </p:sp>
+      <p:sp>
+        <p:nvSpPr>
+          <p:cNvPr id="3" name="Datumsplatzhalter 2">
+            <a:extLst>
+              <a:ext uri="{FF2B5EF4-FFF2-40B4-BE49-F238E27FC236}">
+                <a16:creationId xmlns:a16="http://schemas.microsoft.com/office/drawing/2014/main" id="{0DEE8BAB-03D5-4811-3C16-245606CFCBEF}"/>
+              </a:ext>
+            </a:extLst>
+          </p:cNvPr>
+          <p:cNvSpPr>
+            <a:spLocks noGrp="1"/>
+          </p:cNvSpPr>
+          <p:nvPr>
+            <p:ph type="dt" sz="quarter" idx="1"/>
+          </p:nvPr>
+        </p:nvSpPr>
+        <p:spPr>
+          <a:xfrm>
+            <a:off x="3884613" y="0"/>
+            <a:ext cx="2971800" cy="458788"/>
+          </a:xfrm>
+          <a:prstGeom prst="rect">
+            <a:avLst/>
+          </a:prstGeom>
+        </p:spPr>
+        <p:txBody>
+          <a:bodyPr vert="horz" lIns="91440" tIns="45720" rIns="91440" bIns="45720" rtlCol="0"/>
+          <a:lstStyle>
+            <a:lvl1pPr algn="r">
+              <a:defRPr sz="1200"/>
+            </a:lvl1pPr>
+          </a:lstStyle>
+          <a:p>
+            <a:fld id="{9D072F89-4AF2-4469-804F-564BF4C2CB2D}" type="datetimeFigureOut">
+              <a:rPr lang="de-DE" smtClean="0"/>
+              <a:t>12.10.2022</a:t>
+            </a:fld>
+            <a:endParaRPr lang="de-DE"/>
+          </a:p>
+        </p:txBody>
+      </p:sp>
+      <p:sp>
+        <p:nvSpPr>
+          <p:cNvPr id="4" name="Fußzeilenplatzhalter 3">
+            <a:extLst>
+              <a:ext uri="{FF2B5EF4-FFF2-40B4-BE49-F238E27FC236}">
+                <a16:creationId xmlns:a16="http://schemas.microsoft.com/office/drawing/2014/main" id="{4E21D059-4C05-A59B-4EBF-139A04503F3F}"/>
+              </a:ext>
+            </a:extLst>
+          </p:cNvPr>
+          <p:cNvSpPr>
+            <a:spLocks noGrp="1"/>
+          </p:cNvSpPr>
+          <p:nvPr>
+            <p:ph type="ftr" sz="quarter" idx="2"/>
+          </p:nvPr>
+        </p:nvSpPr>
+        <p:spPr>
+          <a:xfrm>
+            <a:off x="0" y="8685213"/>
+            <a:ext cx="2971800" cy="458787"/>
+          </a:xfrm>
+          <a:prstGeom prst="rect">
+            <a:avLst/>
+          </a:prstGeom>
+        </p:spPr>
+        <p:txBody>
+          <a:bodyPr vert="horz" lIns="91440" tIns="45720" rIns="91440" bIns="45720" rtlCol="0" anchor="b"/>
+          <a:lstStyle>
+            <a:lvl1pPr algn="l">
+              <a:defRPr sz="1200"/>
+            </a:lvl1pPr>
+          </a:lstStyle>
+          <a:p>
+            <a:endParaRPr lang="de-DE"/>
+          </a:p>
+        </p:txBody>
+      </p:sp>
+      <p:sp>
+        <p:nvSpPr>
+          <p:cNvPr id="5" name="Foliennummernplatzhalter 4">
+            <a:extLst>
+              <a:ext uri="{FF2B5EF4-FFF2-40B4-BE49-F238E27FC236}">
+                <a16:creationId xmlns:a16="http://schemas.microsoft.com/office/drawing/2014/main" id="{CB09D406-8DC5-9622-FA54-9E2B508D522A}"/>
+              </a:ext>
+            </a:extLst>
+          </p:cNvPr>
+          <p:cNvSpPr>
+            <a:spLocks noGrp="1"/>
+          </p:cNvSpPr>
+          <p:nvPr>
+            <p:ph type="sldNum" sz="quarter" idx="3"/>
+          </p:nvPr>
+        </p:nvSpPr>
+        <p:spPr>
+          <a:xfrm>
+            <a:off x="3884613" y="8685213"/>
+            <a:ext cx="2971800" cy="458787"/>
+          </a:xfrm>
+          <a:prstGeom prst="rect">
+            <a:avLst/>
+          </a:prstGeom>
+        </p:spPr>
+        <p:txBody>
+          <a:bodyPr vert="horz" lIns="91440" tIns="45720" rIns="91440" bIns="45720" rtlCol="0" anchor="b"/>
+          <a:lstStyle>
+            <a:lvl1pPr algn="r">
+              <a:defRPr sz="1200"/>
+            </a:lvl1pPr>
+          </a:lstStyle>
+          <a:p>
+            <a:fld id="{18C134F1-E4D5-4E46-860A-FA92CE5F6C30}" type="slidenum">
+              <a:rPr lang="de-DE" smtClean="0"/>
+              <a:t>‹Nr.›</a:t>
+            </a:fld>
+            <a:endParaRPr lang="de-DE"/>
+          </a:p>
+        </p:txBody>
+      </p:sp>
+    </p:spTree>
+    <p:extLst>
+      <p:ext uri="{BB962C8B-B14F-4D97-AF65-F5344CB8AC3E}">
+        <p14:creationId xmlns:p14="http://schemas.microsoft.com/office/powerpoint/2010/main" val="2375349468"/>
+      </p:ext>
+    </p:extLst>
+  </p:cSld>
+  <p:clrMap bg1="lt1" tx1="dk1" bg2="lt2" tx2="dk2" accent1="accent1" accent2="accent2" accent3="accent3" accent4="accent4" accent5="accent5" accent6="accent6" hlink="hlink" folHlink="folHlink"/>
+  <p:hf hdr="0" ftr="0" dt="0"/>
+</p:handoutMaster>
 </file>
 
 <file path=ppt/notesMasters/notesMaster1.xml><?xml version="1.0" encoding="utf-8"?>
@@ -1679,14 +1873,14 @@
           <a:effectLst/>
           <a:extLst>
             <a:ext uri="{909E8E84-426E-40dd-AFC4-6F175D3DCCD1}">
-              <a14:hiddenFill xmlns="" xmlns:a14="http://schemas.microsoft.com/office/drawing/2010/main">
+              <a14:hiddenFill xmlns:a14="http://schemas.microsoft.com/office/drawing/2010/main" xmlns="">
                 <a:solidFill>
                   <a:schemeClr val="accent1"/>
                 </a:solidFill>
               </a14:hiddenFill>
             </a:ext>
             <a:ext uri="{91240B29-F687-4f45-9708-019B960494DF}">
-              <a14:hiddenLine xmlns="" xmlns:a14="http://schemas.microsoft.com/office/drawing/2010/main" w="9525">
+              <a14:hiddenLine xmlns:a14="http://schemas.microsoft.com/office/drawing/2010/main" xmlns="" w="9525">
                 <a:solidFill>
                   <a:schemeClr val="tx1"/>
                 </a:solidFill>
@@ -1696,7 +1890,7 @@
               </a14:hiddenLine>
             </a:ext>
             <a:ext uri="{AF507438-7753-43e0-B8FC-AC1667EBCBE1}">
-              <a14:hiddenEffects xmlns="" xmlns:a14="http://schemas.microsoft.com/office/drawing/2010/main">
+              <a14:hiddenEffects xmlns:a14="http://schemas.microsoft.com/office/drawing/2010/main" xmlns="">
                 <a:effectLst>
                   <a:outerShdw dist="35921" dir="2700000" algn="ctr" rotWithShape="0">
                     <a:schemeClr val="bg2"/>
@@ -1747,14 +1941,14 @@
           <a:effectLst/>
           <a:extLst>
             <a:ext uri="{909E8E84-426E-40dd-AFC4-6F175D3DCCD1}">
-              <a14:hiddenFill xmlns="" xmlns:a14="http://schemas.microsoft.com/office/drawing/2010/main">
+              <a14:hiddenFill xmlns:a14="http://schemas.microsoft.com/office/drawing/2010/main" xmlns="">
                 <a:solidFill>
                   <a:schemeClr val="accent1"/>
                 </a:solidFill>
               </a14:hiddenFill>
             </a:ext>
             <a:ext uri="{91240B29-F687-4f45-9708-019B960494DF}">
-              <a14:hiddenLine xmlns="" xmlns:a14="http://schemas.microsoft.com/office/drawing/2010/main" w="9525">
+              <a14:hiddenLine xmlns:a14="http://schemas.microsoft.com/office/drawing/2010/main" xmlns="" w="9525">
                 <a:solidFill>
                   <a:schemeClr val="tx1"/>
                 </a:solidFill>
@@ -1764,7 +1958,7 @@
               </a14:hiddenLine>
             </a:ext>
             <a:ext uri="{AF507438-7753-43e0-B8FC-AC1667EBCBE1}">
-              <a14:hiddenEffects xmlns="" xmlns:a14="http://schemas.microsoft.com/office/drawing/2010/main">
+              <a14:hiddenEffects xmlns:a14="http://schemas.microsoft.com/office/drawing/2010/main" xmlns="">
                 <a:effectLst>
                   <a:outerShdw dist="35921" dir="2700000" algn="ctr" rotWithShape="0">
                     <a:schemeClr val="bg2"/>
@@ -1820,7 +2014,7 @@
           <a:effectLst/>
           <a:extLst>
             <a:ext uri="{AF507438-7753-43e0-B8FC-AC1667EBCBE1}">
-              <a14:hiddenEffects xmlns="" xmlns:a14="http://schemas.microsoft.com/office/drawing/2010/main">
+              <a14:hiddenEffects xmlns:a14="http://schemas.microsoft.com/office/drawing/2010/main" xmlns="">
                 <a:effectLst>
                   <a:outerShdw dist="35921" dir="2700000" algn="ctr" rotWithShape="0">
                     <a:srgbClr val="808080"/>
@@ -1829,7 +2023,7 @@
               </a14:hiddenEffects>
             </a:ext>
             <a:ext uri="{53640926-AAD7-44d8-BBD7-CCE9431645EC}">
-              <a14:shadowObscured xmlns="" xmlns:a14="http://schemas.microsoft.com/office/drawing/2010/main" val="1"/>
+              <a14:shadowObscured xmlns:a14="http://schemas.microsoft.com/office/drawing/2010/main" xmlns="" val="1"/>
             </a:ext>
           </a:extLst>
         </p:spPr>
@@ -1859,14 +2053,14 @@
           <a:effectLst/>
           <a:extLst>
             <a:ext uri="{909E8E84-426E-40dd-AFC4-6F175D3DCCD1}">
-              <a14:hiddenFill xmlns="" xmlns:a14="http://schemas.microsoft.com/office/drawing/2010/main">
+              <a14:hiddenFill xmlns:a14="http://schemas.microsoft.com/office/drawing/2010/main" xmlns="">
                 <a:solidFill>
                   <a:schemeClr val="accent1"/>
                 </a:solidFill>
               </a14:hiddenFill>
             </a:ext>
             <a:ext uri="{91240B29-F687-4f45-9708-019B960494DF}">
-              <a14:hiddenLine xmlns="" xmlns:a14="http://schemas.microsoft.com/office/drawing/2010/main" w="9525">
+              <a14:hiddenLine xmlns:a14="http://schemas.microsoft.com/office/drawing/2010/main" xmlns="" w="9525">
                 <a:solidFill>
                   <a:schemeClr val="tx1"/>
                 </a:solidFill>
@@ -1876,7 +2070,7 @@
               </a14:hiddenLine>
             </a:ext>
             <a:ext uri="{AF507438-7753-43e0-B8FC-AC1667EBCBE1}">
-              <a14:hiddenEffects xmlns="" xmlns:a14="http://schemas.microsoft.com/office/drawing/2010/main">
+              <a14:hiddenEffects xmlns:a14="http://schemas.microsoft.com/office/drawing/2010/main" xmlns="">
                 <a:effectLst>
                   <a:outerShdw dist="35921" dir="2700000" algn="ctr" rotWithShape="0">
                     <a:schemeClr val="bg2"/>
@@ -1955,14 +2149,14 @@
           <a:effectLst/>
           <a:extLst>
             <a:ext uri="{909E8E84-426E-40dd-AFC4-6F175D3DCCD1}">
-              <a14:hiddenFill xmlns="" xmlns:a14="http://schemas.microsoft.com/office/drawing/2010/main">
+              <a14:hiddenFill xmlns:a14="http://schemas.microsoft.com/office/drawing/2010/main" xmlns="">
                 <a:solidFill>
                   <a:schemeClr val="accent1"/>
                 </a:solidFill>
               </a14:hiddenFill>
             </a:ext>
             <a:ext uri="{91240B29-F687-4f45-9708-019B960494DF}">
-              <a14:hiddenLine xmlns="" xmlns:a14="http://schemas.microsoft.com/office/drawing/2010/main" w="9525">
+              <a14:hiddenLine xmlns:a14="http://schemas.microsoft.com/office/drawing/2010/main" xmlns="" w="9525">
                 <a:solidFill>
                   <a:schemeClr val="tx1"/>
                 </a:solidFill>
@@ -1972,7 +2166,7 @@
               </a14:hiddenLine>
             </a:ext>
             <a:ext uri="{AF507438-7753-43e0-B8FC-AC1667EBCBE1}">
-              <a14:hiddenEffects xmlns="" xmlns:a14="http://schemas.microsoft.com/office/drawing/2010/main">
+              <a14:hiddenEffects xmlns:a14="http://schemas.microsoft.com/office/drawing/2010/main" xmlns="">
                 <a:effectLst>
                   <a:outerShdw dist="35921" dir="2700000" algn="ctr" rotWithShape="0">
                     <a:schemeClr val="bg2"/>
@@ -2023,14 +2217,14 @@
           <a:effectLst/>
           <a:extLst>
             <a:ext uri="{909E8E84-426E-40dd-AFC4-6F175D3DCCD1}">
-              <a14:hiddenFill xmlns="" xmlns:a14="http://schemas.microsoft.com/office/drawing/2010/main">
+              <a14:hiddenFill xmlns:a14="http://schemas.microsoft.com/office/drawing/2010/main" xmlns="">
                 <a:solidFill>
                   <a:schemeClr val="accent1"/>
                 </a:solidFill>
               </a14:hiddenFill>
             </a:ext>
             <a:ext uri="{91240B29-F687-4f45-9708-019B960494DF}">
-              <a14:hiddenLine xmlns="" xmlns:a14="http://schemas.microsoft.com/office/drawing/2010/main" w="9525">
+              <a14:hiddenLine xmlns:a14="http://schemas.microsoft.com/office/drawing/2010/main" xmlns="" w="9525">
                 <a:solidFill>
                   <a:schemeClr val="tx1"/>
                 </a:solidFill>
@@ -2040,7 +2234,7 @@
               </a14:hiddenLine>
             </a:ext>
             <a:ext uri="{AF507438-7753-43e0-B8FC-AC1667EBCBE1}">
-              <a14:hiddenEffects xmlns="" xmlns:a14="http://schemas.microsoft.com/office/drawing/2010/main">
+              <a14:hiddenEffects xmlns:a14="http://schemas.microsoft.com/office/drawing/2010/main" xmlns="">
                 <a:effectLst>
                   <a:outerShdw dist="35921" dir="2700000" algn="ctr" rotWithShape="0">
                     <a:schemeClr val="bg2"/>
@@ -2079,6 +2273,7 @@
     </p:extLst>
   </p:cSld>
   <p:clrMap bg1="lt1" tx1="dk1" bg2="lt2" tx2="dk2" accent1="accent1" accent2="accent2" accent3="accent3" accent4="accent4" accent5="accent5" accent6="accent6" hlink="hlink" folHlink="folHlink"/>
+  <p:hf hdr="0" ftr="0" dt="0"/>
   <p:notesStyle>
     <a:lvl1pPr algn="l" rtl="0" fontAlgn="base">
       <a:spcBef>
@@ -3890,14 +4085,14 @@
           <a:effectLst/>
           <a:extLst>
             <a:ext uri="{909E8E84-426E-40dd-AFC4-6F175D3DCCD1}">
-              <a14:hiddenFill xmlns="" xmlns:a14="http://schemas.microsoft.com/office/drawing/2010/main">
+              <a14:hiddenFill xmlns:a14="http://schemas.microsoft.com/office/drawing/2010/main" xmlns="">
                 <a:solidFill>
                   <a:schemeClr val="accent1"/>
                 </a:solidFill>
               </a14:hiddenFill>
             </a:ext>
             <a:ext uri="{91240B29-F687-4f45-9708-019B960494DF}">
-              <a14:hiddenLine xmlns="" xmlns:a14="http://schemas.microsoft.com/office/drawing/2010/main" w="9525">
+              <a14:hiddenLine xmlns:a14="http://schemas.microsoft.com/office/drawing/2010/main" xmlns="" w="9525">
                 <a:solidFill>
                   <a:schemeClr val="tx1"/>
                 </a:solidFill>
@@ -3907,7 +4102,7 @@
               </a14:hiddenLine>
             </a:ext>
             <a:ext uri="{AF507438-7753-43e0-B8FC-AC1667EBCBE1}">
-              <a14:hiddenEffects xmlns="" xmlns:a14="http://schemas.microsoft.com/office/drawing/2010/main">
+              <a14:hiddenEffects xmlns:a14="http://schemas.microsoft.com/office/drawing/2010/main" xmlns="">
                 <a:effectLst>
                   <a:outerShdw dist="35921" dir="2700000" algn="ctr" rotWithShape="0">
                     <a:schemeClr val="bg2"/>
@@ -3958,14 +4153,14 @@
           <a:effectLst/>
           <a:extLst>
             <a:ext uri="{909E8E84-426E-40dd-AFC4-6F175D3DCCD1}">
-              <a14:hiddenFill xmlns="" xmlns:a14="http://schemas.microsoft.com/office/drawing/2010/main">
+              <a14:hiddenFill xmlns:a14="http://schemas.microsoft.com/office/drawing/2010/main" xmlns="">
                 <a:solidFill>
                   <a:schemeClr val="accent1"/>
                 </a:solidFill>
               </a14:hiddenFill>
             </a:ext>
             <a:ext uri="{91240B29-F687-4f45-9708-019B960494DF}">
-              <a14:hiddenLine xmlns="" xmlns:a14="http://schemas.microsoft.com/office/drawing/2010/main" w="9525">
+              <a14:hiddenLine xmlns:a14="http://schemas.microsoft.com/office/drawing/2010/main" xmlns="" w="9525">
                 <a:solidFill>
                   <a:schemeClr val="tx1"/>
                 </a:solidFill>
@@ -3975,7 +4170,7 @@
               </a14:hiddenLine>
             </a:ext>
             <a:ext uri="{AF507438-7753-43e0-B8FC-AC1667EBCBE1}">
-              <a14:hiddenEffects xmlns="" xmlns:a14="http://schemas.microsoft.com/office/drawing/2010/main">
+              <a14:hiddenEffects xmlns:a14="http://schemas.microsoft.com/office/drawing/2010/main" xmlns="">
                 <a:effectLst>
                   <a:outerShdw dist="35921" dir="2700000" algn="ctr" rotWithShape="0">
                     <a:schemeClr val="bg2"/>
@@ -4054,14 +4249,14 @@
           <a:effectLst/>
           <a:extLst>
             <a:ext uri="{909E8E84-426E-40dd-AFC4-6F175D3DCCD1}">
-              <a14:hiddenFill xmlns="" xmlns:a14="http://schemas.microsoft.com/office/drawing/2010/main">
+              <a14:hiddenFill xmlns:a14="http://schemas.microsoft.com/office/drawing/2010/main" xmlns="">
                 <a:solidFill>
                   <a:schemeClr val="accent1"/>
                 </a:solidFill>
               </a14:hiddenFill>
             </a:ext>
             <a:ext uri="{91240B29-F687-4f45-9708-019B960494DF}">
-              <a14:hiddenLine xmlns="" xmlns:a14="http://schemas.microsoft.com/office/drawing/2010/main" w="9525">
+              <a14:hiddenLine xmlns:a14="http://schemas.microsoft.com/office/drawing/2010/main" xmlns="" w="9525">
                 <a:solidFill>
                   <a:schemeClr val="tx1"/>
                 </a:solidFill>
@@ -4071,7 +4266,7 @@
               </a14:hiddenLine>
             </a:ext>
             <a:ext uri="{AF507438-7753-43e0-B8FC-AC1667EBCBE1}">
-              <a14:hiddenEffects xmlns="" xmlns:a14="http://schemas.microsoft.com/office/drawing/2010/main">
+              <a14:hiddenEffects xmlns:a14="http://schemas.microsoft.com/office/drawing/2010/main" xmlns="">
                 <a:effectLst>
                   <a:outerShdw dist="35921" dir="2700000" algn="ctr" rotWithShape="0">
                     <a:schemeClr val="bg2"/>
@@ -4133,14 +4328,14 @@
           <a:effectLst/>
           <a:extLst>
             <a:ext uri="{909E8E84-426E-40dd-AFC4-6F175D3DCCD1}">
-              <a14:hiddenFill xmlns="" xmlns:a14="http://schemas.microsoft.com/office/drawing/2010/main">
+              <a14:hiddenFill xmlns:a14="http://schemas.microsoft.com/office/drawing/2010/main" xmlns="">
                 <a:solidFill>
                   <a:schemeClr val="accent1"/>
                 </a:solidFill>
               </a14:hiddenFill>
             </a:ext>
             <a:ext uri="{91240B29-F687-4f45-9708-019B960494DF}">
-              <a14:hiddenLine xmlns="" xmlns:a14="http://schemas.microsoft.com/office/drawing/2010/main" w="9525" algn="ctr">
+              <a14:hiddenLine xmlns:a14="http://schemas.microsoft.com/office/drawing/2010/main" xmlns="" w="9525" algn="ctr">
                 <a:solidFill>
                   <a:schemeClr val="tx1"/>
                 </a:solidFill>
@@ -4150,7 +4345,7 @@
               </a14:hiddenLine>
             </a:ext>
             <a:ext uri="{AF507438-7753-43e0-B8FC-AC1667EBCBE1}">
-              <a14:hiddenEffects xmlns="" xmlns:a14="http://schemas.microsoft.com/office/drawing/2010/main">
+              <a14:hiddenEffects xmlns:a14="http://schemas.microsoft.com/office/drawing/2010/main" xmlns="">
                 <a:effectLst>
                   <a:outerShdw dist="35921" dir="2700000" algn="ctr" rotWithShape="0">
                     <a:schemeClr val="bg2"/>
@@ -4262,19 +4457,19 @@
           </a:lstStyle>
           <a:p>
             <a:r>
-              <a:rPr lang="de-DE" sz="1000" b="1"/>
+              <a:rPr lang="de-DE" sz="1000" b="1" dirty="0"/>
               <a:t>Hochschule Hannover</a:t>
             </a:r>
             <a:r>
-              <a:rPr lang="de-DE" sz="1000"/>
+              <a:rPr lang="de-DE" sz="1000" dirty="0"/>
               <a:t>   </a:t>
             </a:r>
             <a:r>
-              <a:rPr lang="de-DE" sz="1000" i="1"/>
+              <a:rPr lang="de-DE" sz="1000" i="1" dirty="0"/>
               <a:t>OE/Name   </a:t>
             </a:r>
             <a:r>
-              <a:rPr lang="de-DE" sz="1000"/>
+              <a:rPr lang="de-DE" sz="1000" dirty="0"/>
               <a:t>Präsentationstitel   Datum bitte auf dem obersten Folienmaster eintragen</a:t>
             </a:r>
           </a:p>
@@ -4308,12 +4503,12 @@
           <a:effectLst/>
           <a:extLst>
             <a:ext uri="{909E8E84-426E-40dd-AFC4-6F175D3DCCD1}">
-              <a14:hiddenFill xmlns="" xmlns:a14="http://schemas.microsoft.com/office/drawing/2010/main">
+              <a14:hiddenFill xmlns:a14="http://schemas.microsoft.com/office/drawing/2010/main" xmlns="">
                 <a:noFill/>
               </a14:hiddenFill>
             </a:ext>
             <a:ext uri="{AF507438-7753-43e0-B8FC-AC1667EBCBE1}">
-              <a14:hiddenEffects xmlns="" xmlns:a14="http://schemas.microsoft.com/office/drawing/2010/main">
+              <a14:hiddenEffects xmlns:a14="http://schemas.microsoft.com/office/drawing/2010/main" xmlns="">
                 <a:effectLst>
                   <a:outerShdw dist="35921" dir="2700000" algn="ctr" rotWithShape="0">
                     <a:schemeClr val="bg2"/>
@@ -4393,7 +4588,7 @@
     <p:sldLayoutId id="2147483661" r:id="rId9"/>
     <p:sldLayoutId id="2147483662" r:id="rId10"/>
   </p:sldLayoutIdLst>
-  <p:hf hdr="0" ftr="0" dt="0"/>
+  <p:hf sldNum="0" hdr="0" ftr="0" dt="0"/>
   <p:txStyles>
     <p:titleStyle>
       <a:lvl1pPr algn="l" defTabSz="1054100" rtl="0" fontAlgn="base">
@@ -4884,14 +5079,14 @@
           <a:effectLst/>
           <a:extLst>
             <a:ext uri="{909E8E84-426E-40dd-AFC4-6F175D3DCCD1}">
-              <a14:hiddenFill xmlns="" xmlns:a14="http://schemas.microsoft.com/office/drawing/2010/main">
+              <a14:hiddenFill xmlns:a14="http://schemas.microsoft.com/office/drawing/2010/main" xmlns="">
                 <a:solidFill>
                   <a:schemeClr val="accent1"/>
                 </a:solidFill>
               </a14:hiddenFill>
             </a:ext>
             <a:ext uri="{91240B29-F687-4f45-9708-019B960494DF}">
-              <a14:hiddenLine xmlns="" xmlns:a14="http://schemas.microsoft.com/office/drawing/2010/main" w="9525" algn="ctr">
+              <a14:hiddenLine xmlns:a14="http://schemas.microsoft.com/office/drawing/2010/main" xmlns="" w="9525" algn="ctr">
                 <a:solidFill>
                   <a:schemeClr val="tx1"/>
                 </a:solidFill>
@@ -4901,7 +5096,7 @@
               </a14:hiddenLine>
             </a:ext>
             <a:ext uri="{AF507438-7753-43e0-B8FC-AC1667EBCBE1}">
-              <a14:hiddenEffects xmlns="" xmlns:a14="http://schemas.microsoft.com/office/drawing/2010/main">
+              <a14:hiddenEffects xmlns:a14="http://schemas.microsoft.com/office/drawing/2010/main" xmlns="">
                 <a:effectLst>
                   <a:outerShdw dist="35921" dir="2700000" algn="ctr" rotWithShape="0">
                     <a:schemeClr val="bg2"/>
@@ -5044,14 +5239,150 @@
           <a:chExt cx="0" cy="0"/>
         </a:xfrm>
       </p:grpSpPr>
+      <p:pic>
+        <p:nvPicPr>
+          <p:cNvPr id="20503" name="Rectangle 22" descr="Andy_Spyra19062008003"/>
+          <p:cNvPicPr>
+            <a:picLocks noChangeAspect="1" noChangeArrowheads="1"/>
+          </p:cNvPicPr>
+          <p:nvPr>
+            <p:custDataLst>
+              <p:tags r:id="rId1"/>
+            </p:custDataLst>
+          </p:nvPr>
+        </p:nvPicPr>
+        <p:blipFill>
+          <a:blip r:embed="rId4" cstate="print">
+            <a:extLst>
+              <a:ext uri="{28A0092B-C50C-407E-A947-70E740481C1C}">
+                <a14:useLocalDpi xmlns:a14="http://schemas.microsoft.com/office/drawing/2010/main" val="0"/>
+              </a:ext>
+            </a:extLst>
+          </a:blip>
+          <a:srcRect l="61836" t="19646" b="43013"/>
+          <a:stretch>
+            <a:fillRect/>
+          </a:stretch>
+        </p:blipFill>
+        <p:spPr bwMode="gray">
+          <a:xfrm>
+            <a:off x="4986338" y="2125663"/>
+            <a:ext cx="3311525" cy="2160587"/>
+          </a:xfrm>
+          <a:prstGeom prst="rect">
+            <a:avLst/>
+          </a:prstGeom>
+          <a:noFill/>
+          <a:ln>
+            <a:noFill/>
+          </a:ln>
+          <a:effectLst/>
+          <a:extLst>
+            <a:ext uri="{909E8E84-426E-40dd-AFC4-6F175D3DCCD1}">
+              <a14:hiddenFill xmlns:a14="http://schemas.microsoft.com/office/drawing/2010/main" xmlns="">
+                <a:solidFill>
+                  <a:schemeClr val="accent1"/>
+                </a:solidFill>
+              </a14:hiddenFill>
+            </a:ext>
+            <a:ext uri="{91240B29-F687-4f45-9708-019B960494DF}">
+              <a14:hiddenLine xmlns:a14="http://schemas.microsoft.com/office/drawing/2010/main" xmlns="" w="9525">
+                <a:solidFill>
+                  <a:schemeClr val="tx1"/>
+                </a:solidFill>
+                <a:miter lim="800000"/>
+                <a:headEnd/>
+                <a:tailEnd/>
+              </a14:hiddenLine>
+            </a:ext>
+            <a:ext uri="{AF507438-7753-43e0-B8FC-AC1667EBCBE1}">
+              <a14:hiddenEffects xmlns:a14="http://schemas.microsoft.com/office/drawing/2010/main" xmlns="">
+                <a:effectLst>
+                  <a:outerShdw dist="35921" dir="2700000" algn="ctr" rotWithShape="0">
+                    <a:schemeClr val="bg2"/>
+                  </a:outerShdw>
+                </a:effectLst>
+              </a14:hiddenEffects>
+            </a:ext>
+          </a:extLst>
+        </p:spPr>
+      </p:pic>
+      <p:pic>
+        <p:nvPicPr>
+          <p:cNvPr id="20489" name="Rectangle 7" descr="Andy_Spyra19062008003"/>
+          <p:cNvPicPr>
+            <a:picLocks noChangeAspect="1" noChangeArrowheads="1"/>
+          </p:cNvPicPr>
+          <p:nvPr>
+            <p:custDataLst>
+              <p:tags r:id="rId2"/>
+            </p:custDataLst>
+          </p:nvPr>
+        </p:nvPicPr>
+        <p:blipFill>
+          <a:blip r:embed="rId5" cstate="print">
+            <a:extLst>
+              <a:ext uri="{28A0092B-C50C-407E-A947-70E740481C1C}">
+                <a14:useLocalDpi xmlns:a14="http://schemas.microsoft.com/office/drawing/2010/main" val="0"/>
+              </a:ext>
+            </a:extLst>
+          </a:blip>
+          <a:srcRect l="1155" r="42464" b="21069"/>
+          <a:stretch>
+            <a:fillRect/>
+          </a:stretch>
+        </p:blipFill>
+        <p:spPr bwMode="gray">
+          <a:xfrm>
+            <a:off x="522288" y="2125663"/>
+            <a:ext cx="4319587" cy="4032250"/>
+          </a:xfrm>
+          <a:prstGeom prst="rect">
+            <a:avLst/>
+          </a:prstGeom>
+          <a:noFill/>
+          <a:ln>
+            <a:noFill/>
+          </a:ln>
+          <a:effectLst/>
+          <a:extLst>
+            <a:ext uri="{909E8E84-426E-40dd-AFC4-6F175D3DCCD1}">
+              <a14:hiddenFill xmlns:a14="http://schemas.microsoft.com/office/drawing/2010/main" xmlns="">
+                <a:solidFill>
+                  <a:schemeClr val="accent1"/>
+                </a:solidFill>
+              </a14:hiddenFill>
+            </a:ext>
+            <a:ext uri="{91240B29-F687-4f45-9708-019B960494DF}">
+              <a14:hiddenLine xmlns:a14="http://schemas.microsoft.com/office/drawing/2010/main" xmlns="" w="9525">
+                <a:solidFill>
+                  <a:schemeClr val="tx1"/>
+                </a:solidFill>
+                <a:miter lim="800000"/>
+                <a:headEnd/>
+                <a:tailEnd/>
+              </a14:hiddenLine>
+            </a:ext>
+            <a:ext uri="{AF507438-7753-43e0-B8FC-AC1667EBCBE1}">
+              <a14:hiddenEffects xmlns:a14="http://schemas.microsoft.com/office/drawing/2010/main" xmlns="">
+                <a:effectLst>
+                  <a:outerShdw dist="35921" dir="2700000" algn="ctr" rotWithShape="0">
+                    <a:schemeClr val="bg2"/>
+                  </a:outerShdw>
+                </a:effectLst>
+              </a14:hiddenEffects>
+            </a:ext>
+          </a:extLst>
+        </p:spPr>
+      </p:pic>
       <p:sp>
         <p:nvSpPr>
-          <p:cNvPr id="4" name="Foliennummernplatzhalter 1"/>
+          <p:cNvPr id="20482" name="Rectangle 2"/>
           <p:cNvSpPr>
-            <a:spLocks noGrp="1"/>
+            <a:spLocks noGrp="1" noChangeArrowheads="1"/>
           </p:cNvSpPr>
           <p:nvPr>
-            <p:ph type="sldNum" sz="quarter" idx="10"/>
+            <p:ph type="title"/>
           </p:nvPr>
         </p:nvSpPr>
         <p:spPr/>
@@ -5060,18 +5391,79 @@
           <a:lstStyle/>
           <a:p>
             <a:r>
-              <a:rPr lang="de-DE"/>
-              <a:t>Seite </a:t>
-            </a:r>
-            <a:fld id="{1959A76B-4404-45BA-8D74-04ED350576FE}" type="slidenum">
-              <a:rPr lang="de-DE"/>
-              <a:pPr/>
-              <a:t>10</a:t>
-            </a:fld>
-            <a:endParaRPr lang="de-DE"/>
+              <a:rPr lang="en-US"/>
+              <a:t>Bildfolie mit zwei Bildern</a:t>
+            </a:r>
+            <a:br>
+              <a:rPr lang="en-US" sz="2400"/>
+            </a:br>
+            <a:r>
+              <a:rPr lang="de-DE" sz="2400" b="0" i="1"/>
+              <a:t>Hier steht die Subheadline</a:t>
+            </a:r>
+            <a:endParaRPr lang="en-US" sz="2400" b="0" i="1"/>
           </a:p>
         </p:txBody>
       </p:sp>
+      <p:sp>
+        <p:nvSpPr>
+          <p:cNvPr id="20483" name="Rectangle 3"/>
+          <p:cNvSpPr>
+            <a:spLocks noGrp="1" noChangeArrowheads="1"/>
+          </p:cNvSpPr>
+          <p:nvPr>
+            <p:ph type="body" sz="half" idx="1"/>
+          </p:nvPr>
+        </p:nvSpPr>
+        <p:spPr>
+          <a:xfrm>
+            <a:off x="5059363" y="4789488"/>
+            <a:ext cx="3743325" cy="1368425"/>
+          </a:xfrm>
+          <a:noFill/>
+        </p:spPr>
+        <p:txBody>
+          <a:bodyPr anchor="b"/>
+          <a:lstStyle/>
+          <a:p>
+            <a:r>
+              <a:rPr lang="en-US" sz="1400" b="1"/>
+              <a:t>Bildunterschrift fett</a:t>
+            </a:r>
+          </a:p>
+          <a:p>
+            <a:r>
+              <a:rPr lang="en-US" sz="1400"/>
+              <a:t>Und zusätzlicher beschreibender Text 14 pt</a:t>
+            </a:r>
+          </a:p>
+        </p:txBody>
+      </p:sp>
+    </p:spTree>
+  </p:cSld>
+  <p:clrMapOvr>
+    <a:masterClrMapping/>
+  </p:clrMapOvr>
+</p:sld>
+</file>
+
+<file path=ppt/slides/slide11.xml><?xml version="1.0" encoding="utf-8"?>
+<p:sld xmlns:a="http://schemas.openxmlformats.org/drawingml/2006/main" xmlns:r="http://schemas.openxmlformats.org/officeDocument/2006/relationships" xmlns:p="http://schemas.openxmlformats.org/presentationml/2006/main" show="0">
+  <p:cSld>
+    <p:spTree>
+      <p:nvGrpSpPr>
+        <p:cNvPr id="1" name=""/>
+        <p:cNvGrpSpPr/>
+        <p:nvPr/>
+      </p:nvGrpSpPr>
+      <p:grpSpPr>
+        <a:xfrm>
+          <a:off x="0" y="0"/>
+          <a:ext cx="0" cy="0"/>
+          <a:chOff x="0" y="0"/>
+          <a:chExt cx="0" cy="0"/>
+        </a:xfrm>
+      </p:grpSpPr>
       <p:pic>
         <p:nvPicPr>
           <p:cNvPr id="21506" name="Picture 2" descr="Platzhalterbild"/>
@@ -5104,7 +5496,7 @@
           <a:noFill/>
           <a:extLst>
             <a:ext uri="{909E8E84-426E-40dd-AFC4-6F175D3DCCD1}">
-              <a14:hiddenFill xmlns="" xmlns:a14="http://schemas.microsoft.com/office/drawing/2010/main">
+              <a14:hiddenFill xmlns:a14="http://schemas.microsoft.com/office/drawing/2010/main" xmlns="">
                 <a:solidFill>
                   <a:srgbClr val="FFFFFF"/>
                 </a:solidFill>
@@ -5185,7 +5577,7 @@
 </p:sld>
 </file>
 
-<file path=ppt/slides/slide11.xml><?xml version="1.0" encoding="utf-8"?>
+<file path=ppt/slides/slide12.xml><?xml version="1.0" encoding="utf-8"?>
 <p:sld xmlns:a="http://schemas.openxmlformats.org/drawingml/2006/main" xmlns:r="http://schemas.openxmlformats.org/officeDocument/2006/relationships" xmlns:p="http://schemas.openxmlformats.org/presentationml/2006/main" show="0">
   <p:cSld>
     <p:spTree>
@@ -5202,34 +5594,6 @@
           <a:chExt cx="0" cy="0"/>
         </a:xfrm>
       </p:grpSpPr>
-      <p:sp>
-        <p:nvSpPr>
-          <p:cNvPr id="21" name="Foliennummernplatzhalter 2"/>
-          <p:cNvSpPr>
-            <a:spLocks noGrp="1"/>
-          </p:cNvSpPr>
-          <p:nvPr>
-            <p:ph type="sldNum" sz="quarter" idx="10"/>
-          </p:nvPr>
-        </p:nvSpPr>
-        <p:spPr/>
-        <p:txBody>
-          <a:bodyPr/>
-          <a:lstStyle/>
-          <a:p>
-            <a:r>
-              <a:rPr lang="de-DE"/>
-              <a:t>Seite </a:t>
-            </a:r>
-            <a:fld id="{ABA64F84-B00F-4D7A-8D8C-DC84E8EED2A7}" type="slidenum">
-              <a:rPr lang="de-DE"/>
-              <a:pPr/>
-              <a:t>11</a:t>
-            </a:fld>
-            <a:endParaRPr lang="de-DE"/>
-          </a:p>
-        </p:txBody>
-      </p:sp>
       <p:sp>
         <p:nvSpPr>
           <p:cNvPr id="22532" name="Rectangle 4"/>
@@ -5669,12 +6033,12 @@
           <a:effectLst/>
           <a:extLst>
             <a:ext uri="{909E8E84-426E-40dd-AFC4-6F175D3DCCD1}">
-              <a14:hiddenFill xmlns="" xmlns:a14="http://schemas.microsoft.com/office/drawing/2010/main">
+              <a14:hiddenFill xmlns:a14="http://schemas.microsoft.com/office/drawing/2010/main" xmlns="">
                 <a:noFill/>
               </a14:hiddenFill>
             </a:ext>
             <a:ext uri="{AF507438-7753-43e0-B8FC-AC1667EBCBE1}">
-              <a14:hiddenEffects xmlns="" xmlns:a14="http://schemas.microsoft.com/office/drawing/2010/main">
+              <a14:hiddenEffects xmlns:a14="http://schemas.microsoft.com/office/drawing/2010/main" xmlns="">
                 <a:effectLst>
                   <a:outerShdw dist="35921" dir="2700000" algn="ctr" rotWithShape="0">
                     <a:schemeClr val="bg2"/>
@@ -5721,12 +6085,12 @@
           <a:effectLst/>
           <a:extLst>
             <a:ext uri="{909E8E84-426E-40dd-AFC4-6F175D3DCCD1}">
-              <a14:hiddenFill xmlns="" xmlns:a14="http://schemas.microsoft.com/office/drawing/2010/main">
+              <a14:hiddenFill xmlns:a14="http://schemas.microsoft.com/office/drawing/2010/main" xmlns="">
                 <a:noFill/>
               </a14:hiddenFill>
             </a:ext>
             <a:ext uri="{AF507438-7753-43e0-B8FC-AC1667EBCBE1}">
-              <a14:hiddenEffects xmlns="" xmlns:a14="http://schemas.microsoft.com/office/drawing/2010/main">
+              <a14:hiddenEffects xmlns:a14="http://schemas.microsoft.com/office/drawing/2010/main" xmlns="">
                 <a:effectLst>
                   <a:outerShdw dist="35921" dir="2700000" algn="ctr" rotWithShape="0">
                     <a:schemeClr val="bg2"/>
@@ -5773,12 +6137,12 @@
           <a:effectLst/>
           <a:extLst>
             <a:ext uri="{909E8E84-426E-40dd-AFC4-6F175D3DCCD1}">
-              <a14:hiddenFill xmlns="" xmlns:a14="http://schemas.microsoft.com/office/drawing/2010/main">
+              <a14:hiddenFill xmlns:a14="http://schemas.microsoft.com/office/drawing/2010/main" xmlns="">
                 <a:noFill/>
               </a14:hiddenFill>
             </a:ext>
             <a:ext uri="{AF507438-7753-43e0-B8FC-AC1667EBCBE1}">
-              <a14:hiddenEffects xmlns="" xmlns:a14="http://schemas.microsoft.com/office/drawing/2010/main">
+              <a14:hiddenEffects xmlns:a14="http://schemas.microsoft.com/office/drawing/2010/main" xmlns="">
                 <a:effectLst>
                   <a:outerShdw dist="35921" dir="2700000" algn="ctr" rotWithShape="0">
                     <a:schemeClr val="bg2"/>
@@ -5825,12 +6189,12 @@
           <a:effectLst/>
           <a:extLst>
             <a:ext uri="{909E8E84-426E-40dd-AFC4-6F175D3DCCD1}">
-              <a14:hiddenFill xmlns="" xmlns:a14="http://schemas.microsoft.com/office/drawing/2010/main">
+              <a14:hiddenFill xmlns:a14="http://schemas.microsoft.com/office/drawing/2010/main" xmlns="">
                 <a:noFill/>
               </a14:hiddenFill>
             </a:ext>
             <a:ext uri="{AF507438-7753-43e0-B8FC-AC1667EBCBE1}">
-              <a14:hiddenEffects xmlns="" xmlns:a14="http://schemas.microsoft.com/office/drawing/2010/main">
+              <a14:hiddenEffects xmlns:a14="http://schemas.microsoft.com/office/drawing/2010/main" xmlns="">
                 <a:effectLst>
                   <a:outerShdw dist="35921" dir="2700000" algn="ctr" rotWithShape="0">
                     <a:schemeClr val="bg2"/>
@@ -5877,12 +6241,12 @@
           <a:effectLst/>
           <a:extLst>
             <a:ext uri="{909E8E84-426E-40dd-AFC4-6F175D3DCCD1}">
-              <a14:hiddenFill xmlns="" xmlns:a14="http://schemas.microsoft.com/office/drawing/2010/main">
+              <a14:hiddenFill xmlns:a14="http://schemas.microsoft.com/office/drawing/2010/main" xmlns="">
                 <a:noFill/>
               </a14:hiddenFill>
             </a:ext>
             <a:ext uri="{AF507438-7753-43e0-B8FC-AC1667EBCBE1}">
-              <a14:hiddenEffects xmlns="" xmlns:a14="http://schemas.microsoft.com/office/drawing/2010/main">
+              <a14:hiddenEffects xmlns:a14="http://schemas.microsoft.com/office/drawing/2010/main" xmlns="">
                 <a:effectLst>
                   <a:outerShdw dist="35921" dir="2700000" algn="ctr" rotWithShape="0">
                     <a:schemeClr val="bg2"/>
@@ -5929,12 +6293,12 @@
           <a:effectLst/>
           <a:extLst>
             <a:ext uri="{909E8E84-426E-40dd-AFC4-6F175D3DCCD1}">
-              <a14:hiddenFill xmlns="" xmlns:a14="http://schemas.microsoft.com/office/drawing/2010/main">
+              <a14:hiddenFill xmlns:a14="http://schemas.microsoft.com/office/drawing/2010/main" xmlns="">
                 <a:noFill/>
               </a14:hiddenFill>
             </a:ext>
             <a:ext uri="{AF507438-7753-43e0-B8FC-AC1667EBCBE1}">
-              <a14:hiddenEffects xmlns="" xmlns:a14="http://schemas.microsoft.com/office/drawing/2010/main">
+              <a14:hiddenEffects xmlns:a14="http://schemas.microsoft.com/office/drawing/2010/main" xmlns="">
                 <a:effectLst>
                   <a:outerShdw dist="35921" dir="2700000" algn="ctr" rotWithShape="0">
                     <a:schemeClr val="bg2"/>
@@ -6015,14 +6379,14 @@
           <a:effectLst/>
           <a:extLst>
             <a:ext uri="{909E8E84-426E-40dd-AFC4-6F175D3DCCD1}">
-              <a14:hiddenFill xmlns="" xmlns:a14="http://schemas.microsoft.com/office/drawing/2010/main">
+              <a14:hiddenFill xmlns:a14="http://schemas.microsoft.com/office/drawing/2010/main" xmlns="">
                 <a:solidFill>
                   <a:srgbClr val="FFFFFF"/>
                 </a:solidFill>
               </a14:hiddenFill>
             </a:ext>
             <a:ext uri="{AF507438-7753-43e0-B8FC-AC1667EBCBE1}">
-              <a14:hiddenEffects xmlns="" xmlns:a14="http://schemas.microsoft.com/office/drawing/2010/main">
+              <a14:hiddenEffects xmlns:a14="http://schemas.microsoft.com/office/drawing/2010/main" xmlns="">
                 <a:effectLst>
                   <a:outerShdw dist="35921" dir="2700000" algn="ctr" rotWithShape="0">
                     <a:schemeClr val="bg2"/>
@@ -6103,14 +6467,14 @@
           <a:effectLst/>
           <a:extLst>
             <a:ext uri="{909E8E84-426E-40dd-AFC4-6F175D3DCCD1}">
-              <a14:hiddenFill xmlns="" xmlns:a14="http://schemas.microsoft.com/office/drawing/2010/main">
+              <a14:hiddenFill xmlns:a14="http://schemas.microsoft.com/office/drawing/2010/main" xmlns="">
                 <a:solidFill>
                   <a:srgbClr val="FFFFFF"/>
                 </a:solidFill>
               </a14:hiddenFill>
             </a:ext>
             <a:ext uri="{AF507438-7753-43e0-B8FC-AC1667EBCBE1}">
-              <a14:hiddenEffects xmlns="" xmlns:a14="http://schemas.microsoft.com/office/drawing/2010/main">
+              <a14:hiddenEffects xmlns:a14="http://schemas.microsoft.com/office/drawing/2010/main" xmlns="">
                 <a:effectLst>
                   <a:outerShdw dist="35921" dir="2700000" algn="ctr" rotWithShape="0">
                     <a:schemeClr val="bg2"/>
@@ -6157,12 +6521,12 @@
           <a:effectLst/>
           <a:extLst>
             <a:ext uri="{909E8E84-426E-40dd-AFC4-6F175D3DCCD1}">
-              <a14:hiddenFill xmlns="" xmlns:a14="http://schemas.microsoft.com/office/drawing/2010/main">
+              <a14:hiddenFill xmlns:a14="http://schemas.microsoft.com/office/drawing/2010/main" xmlns="">
                 <a:noFill/>
               </a14:hiddenFill>
             </a:ext>
             <a:ext uri="{AF507438-7753-43e0-B8FC-AC1667EBCBE1}">
-              <a14:hiddenEffects xmlns="" xmlns:a14="http://schemas.microsoft.com/office/drawing/2010/main">
+              <a14:hiddenEffects xmlns:a14="http://schemas.microsoft.com/office/drawing/2010/main" xmlns="">
                 <a:effectLst>
                   <a:outerShdw dist="35921" dir="2700000" algn="ctr" rotWithShape="0">
                     <a:schemeClr val="bg2"/>
@@ -6188,7 +6552,7 @@
 </p:sld>
 </file>
 
-<file path=ppt/slides/slide12.xml><?xml version="1.0" encoding="utf-8"?>
+<file path=ppt/slides/slide13.xml><?xml version="1.0" encoding="utf-8"?>
 <p:sld xmlns:a="http://schemas.openxmlformats.org/drawingml/2006/main" xmlns:r="http://schemas.openxmlformats.org/officeDocument/2006/relationships" xmlns:p="http://schemas.openxmlformats.org/presentationml/2006/main" show="0">
   <p:cSld>
     <p:spTree>
@@ -6205,34 +6569,6 @@
           <a:chExt cx="0" cy="0"/>
         </a:xfrm>
       </p:grpSpPr>
-      <p:sp>
-        <p:nvSpPr>
-          <p:cNvPr id="5" name="Foliennummernplatzhalter 4"/>
-          <p:cNvSpPr>
-            <a:spLocks noGrp="1"/>
-          </p:cNvSpPr>
-          <p:nvPr>
-            <p:ph type="sldNum" sz="quarter" idx="10"/>
-          </p:nvPr>
-        </p:nvSpPr>
-        <p:spPr/>
-        <p:txBody>
-          <a:bodyPr/>
-          <a:lstStyle/>
-          <a:p>
-            <a:r>
-              <a:rPr lang="de-DE"/>
-              <a:t>Seite </a:t>
-            </a:r>
-            <a:fld id="{1A0EDEF5-E59B-4A43-9F3E-607B2630313C}" type="slidenum">
-              <a:rPr lang="de-DE"/>
-              <a:pPr/>
-              <a:t>12</a:t>
-            </a:fld>
-            <a:endParaRPr lang="de-DE"/>
-          </a:p>
-        </p:txBody>
-      </p:sp>
       <p:graphicFrame>
         <p:nvGraphicFramePr>
           <p:cNvPr id="2" name="Object 4"/>
@@ -6320,7 +6656,7 @@
 </p:sld>
 </file>
 
-<file path=ppt/slides/slide13.xml><?xml version="1.0" encoding="utf-8"?>
+<file path=ppt/slides/slide14.xml><?xml version="1.0" encoding="utf-8"?>
 <p:sld xmlns:a="http://schemas.openxmlformats.org/drawingml/2006/main" xmlns:r="http://schemas.openxmlformats.org/officeDocument/2006/relationships" xmlns:p="http://schemas.openxmlformats.org/presentationml/2006/main" show="0">
   <p:cSld>
     <p:spTree>
@@ -6337,34 +6673,6 @@
           <a:chExt cx="0" cy="0"/>
         </a:xfrm>
       </p:grpSpPr>
-      <p:sp>
-        <p:nvSpPr>
-          <p:cNvPr id="5" name="Foliennummernplatzhalter 4"/>
-          <p:cNvSpPr>
-            <a:spLocks noGrp="1"/>
-          </p:cNvSpPr>
-          <p:nvPr>
-            <p:ph type="sldNum" sz="quarter" idx="10"/>
-          </p:nvPr>
-        </p:nvSpPr>
-        <p:spPr/>
-        <p:txBody>
-          <a:bodyPr/>
-          <a:lstStyle/>
-          <a:p>
-            <a:r>
-              <a:rPr lang="de-DE"/>
-              <a:t>Seite </a:t>
-            </a:r>
-            <a:fld id="{899D31D1-3FF4-4E67-B8C1-69D719F87091}" type="slidenum">
-              <a:rPr lang="de-DE"/>
-              <a:pPr/>
-              <a:t>13</a:t>
-            </a:fld>
-            <a:endParaRPr lang="de-DE"/>
-          </a:p>
-        </p:txBody>
-      </p:sp>
       <p:graphicFrame>
         <p:nvGraphicFramePr>
           <p:cNvPr id="2" name="Object 2"/>
@@ -6409,14 +6717,14 @@
           <a:ln/>
           <a:extLst>
             <a:ext uri="{909E8E84-426E-40dd-AFC4-6F175D3DCCD1}">
-              <a14:hiddenFill xmlns="" xmlns:a14="http://schemas.microsoft.com/office/drawing/2010/main">
+              <a14:hiddenFill xmlns:a14="http://schemas.microsoft.com/office/drawing/2010/main" xmlns="">
                 <a:solidFill>
                   <a:srgbClr val="FF9900"/>
                 </a:solidFill>
               </a14:hiddenFill>
             </a:ext>
             <a:ext uri="{91240B29-F687-4f45-9708-019B960494DF}">
-              <a14:hiddenLine xmlns="" xmlns:a14="http://schemas.microsoft.com/office/drawing/2010/main" w="9525">
+              <a14:hiddenLine xmlns:a14="http://schemas.microsoft.com/office/drawing/2010/main" xmlns="" w="9525">
                 <a:solidFill>
                   <a:srgbClr val="000000"/>
                 </a:solidFill>
@@ -6516,7 +6824,7 @@
 </p:sld>
 </file>
 
-<file path=ppt/slides/slide14.xml><?xml version="1.0" encoding="utf-8"?>
+<file path=ppt/slides/slide15.xml><?xml version="1.0" encoding="utf-8"?>
 <p:sld xmlns:a="http://schemas.openxmlformats.org/drawingml/2006/main" xmlns:r="http://schemas.openxmlformats.org/officeDocument/2006/relationships" xmlns:p="http://schemas.openxmlformats.org/presentationml/2006/main" show="0">
   <p:cSld>
     <p:spTree>
@@ -6533,34 +6841,6 @@
           <a:chExt cx="0" cy="0"/>
         </a:xfrm>
       </p:grpSpPr>
-      <p:sp>
-        <p:nvSpPr>
-          <p:cNvPr id="4" name="Foliennummernplatzhalter 4"/>
-          <p:cNvSpPr>
-            <a:spLocks noGrp="1"/>
-          </p:cNvSpPr>
-          <p:nvPr>
-            <p:ph type="sldNum" sz="quarter" idx="10"/>
-          </p:nvPr>
-        </p:nvSpPr>
-        <p:spPr/>
-        <p:txBody>
-          <a:bodyPr/>
-          <a:lstStyle/>
-          <a:p>
-            <a:r>
-              <a:rPr lang="de-DE"/>
-              <a:t>Seite </a:t>
-            </a:r>
-            <a:fld id="{E0DD92A3-CD9C-40B8-AD16-A19D054E677B}" type="slidenum">
-              <a:rPr lang="de-DE"/>
-              <a:pPr/>
-              <a:t>14</a:t>
-            </a:fld>
-            <a:endParaRPr lang="de-DE"/>
-          </a:p>
-        </p:txBody>
-      </p:sp>
       <p:graphicFrame>
         <p:nvGraphicFramePr>
           <p:cNvPr id="2" name="Object 2"/>
@@ -6624,7 +6904,7 @@
 </p:sld>
 </file>
 
-<file path=ppt/slides/slide15.xml><?xml version="1.0" encoding="utf-8"?>
+<file path=ppt/slides/slide16.xml><?xml version="1.0" encoding="utf-8"?>
 <p:sld xmlns:a="http://schemas.openxmlformats.org/drawingml/2006/main" xmlns:r="http://schemas.openxmlformats.org/officeDocument/2006/relationships" xmlns:p="http://schemas.openxmlformats.org/presentationml/2006/main" show="0">
   <p:cSld>
     <p:spTree>
@@ -6641,34 +6921,6 @@
           <a:chExt cx="0" cy="0"/>
         </a:xfrm>
       </p:grpSpPr>
-      <p:sp>
-        <p:nvSpPr>
-          <p:cNvPr id="57" name="Foliennummernplatzhalter 3"/>
-          <p:cNvSpPr>
-            <a:spLocks noGrp="1"/>
-          </p:cNvSpPr>
-          <p:nvPr>
-            <p:ph type="sldNum" sz="quarter" idx="10"/>
-          </p:nvPr>
-        </p:nvSpPr>
-        <p:spPr/>
-        <p:txBody>
-          <a:bodyPr/>
-          <a:lstStyle/>
-          <a:p>
-            <a:r>
-              <a:rPr lang="de-DE"/>
-              <a:t>Seite </a:t>
-            </a:r>
-            <a:fld id="{A6DDC716-8D86-4CF3-9BE2-6F1AC9FA8D8A}" type="slidenum">
-              <a:rPr lang="de-DE"/>
-              <a:pPr/>
-              <a:t>15</a:t>
-            </a:fld>
-            <a:endParaRPr lang="de-DE"/>
-          </a:p>
-        </p:txBody>
-      </p:sp>
       <p:sp>
         <p:nvSpPr>
           <p:cNvPr id="31746" name="Rectangle 2"/>
@@ -9298,7 +9550,7 @@
 </p:sld>
 </file>
 
-<file path=ppt/slides/slide16.xml><?xml version="1.0" encoding="utf-8"?>
+<file path=ppt/slides/slide17.xml><?xml version="1.0" encoding="utf-8"?>
 <p:sld xmlns:a="http://schemas.openxmlformats.org/drawingml/2006/main" xmlns:r="http://schemas.openxmlformats.org/officeDocument/2006/relationships" xmlns:p="http://schemas.openxmlformats.org/presentationml/2006/main" show="0">
   <p:cSld>
     <p:spTree>
@@ -9315,34 +9567,6 @@
           <a:chExt cx="0" cy="0"/>
         </a:xfrm>
       </p:grpSpPr>
-      <p:sp>
-        <p:nvSpPr>
-          <p:cNvPr id="3" name="Foliennummernplatzhalter 2"/>
-          <p:cNvSpPr>
-            <a:spLocks noGrp="1"/>
-          </p:cNvSpPr>
-          <p:nvPr>
-            <p:ph type="sldNum" sz="quarter" idx="10"/>
-          </p:nvPr>
-        </p:nvSpPr>
-        <p:spPr/>
-        <p:txBody>
-          <a:bodyPr/>
-          <a:lstStyle/>
-          <a:p>
-            <a:r>
-              <a:rPr lang="de-DE"/>
-              <a:t>Seite </a:t>
-            </a:r>
-            <a:fld id="{7C825A45-7494-4182-9A4A-AB4F72FEBB3C}" type="slidenum">
-              <a:rPr lang="de-DE"/>
-              <a:pPr/>
-              <a:t>16</a:t>
-            </a:fld>
-            <a:endParaRPr lang="de-DE"/>
-          </a:p>
-        </p:txBody>
-      </p:sp>
       <p:sp>
         <p:nvSpPr>
           <p:cNvPr id="33796" name="Rectangle 4"/>
@@ -9379,6 +9603,147 @@
 </file>
 
 <file path=ppt/slides/slide2.xml><?xml version="1.0" encoding="utf-8"?>
+<p:sld xmlns:a="http://schemas.openxmlformats.org/drawingml/2006/main" xmlns:r="http://schemas.openxmlformats.org/officeDocument/2006/relationships" xmlns:p="http://schemas.openxmlformats.org/presentationml/2006/main">
+  <p:cSld>
+    <p:spTree>
+      <p:nvGrpSpPr>
+        <p:cNvPr id="1" name=""/>
+        <p:cNvGrpSpPr/>
+        <p:nvPr/>
+      </p:nvGrpSpPr>
+      <p:grpSpPr>
+        <a:xfrm>
+          <a:off x="0" y="0"/>
+          <a:ext cx="0" cy="0"/>
+          <a:chOff x="0" y="0"/>
+          <a:chExt cx="0" cy="0"/>
+        </a:xfrm>
+      </p:grpSpPr>
+      <p:sp>
+        <p:nvSpPr>
+          <p:cNvPr id="9218" name="Rectangle 2"/>
+          <p:cNvSpPr>
+            <a:spLocks noGrp="1" noChangeArrowheads="1"/>
+          </p:cNvSpPr>
+          <p:nvPr>
+            <p:ph type="title"/>
+          </p:nvPr>
+        </p:nvSpPr>
+        <p:spPr/>
+        <p:txBody>
+          <a:bodyPr/>
+          <a:lstStyle/>
+          <a:p>
+            <a:r>
+              <a:rPr lang="de-DE" dirty="0"/>
+              <a:t>MySQL</a:t>
+            </a:r>
+            <a:br>
+              <a:rPr lang="de-DE" dirty="0"/>
+            </a:br>
+            <a:r>
+              <a:rPr lang="de-DE" sz="2400" b="0" i="1" dirty="0"/>
+              <a:t>Überblick</a:t>
+            </a:r>
+          </a:p>
+        </p:txBody>
+      </p:sp>
+      <p:sp>
+        <p:nvSpPr>
+          <p:cNvPr id="9219" name="Rectangle 3"/>
+          <p:cNvSpPr>
+            <a:spLocks noGrp="1" noChangeArrowheads="1"/>
+          </p:cNvSpPr>
+          <p:nvPr>
+            <p:ph type="body" idx="1"/>
+          </p:nvPr>
+        </p:nvSpPr>
+        <p:spPr>
+          <a:noFill/>
+        </p:spPr>
+        <p:txBody>
+          <a:bodyPr/>
+          <a:lstStyle/>
+          <a:p>
+            <a:pPr lvl="1"/>
+            <a:r>
+              <a:rPr lang="en-US" dirty="0"/>
+              <a:t>Relational</a:t>
+            </a:r>
+          </a:p>
+          <a:p>
+            <a:pPr lvl="1"/>
+            <a:r>
+              <a:rPr lang="en-US" dirty="0"/>
+              <a:t>Open Source</a:t>
+            </a:r>
+          </a:p>
+          <a:p>
+            <a:pPr lvl="1"/>
+            <a:r>
+              <a:rPr lang="de-DE" dirty="0"/>
+              <a:t>Seit</a:t>
+            </a:r>
+            <a:r>
+              <a:rPr lang="en-US" dirty="0"/>
+              <a:t> 2010 Oracle</a:t>
+            </a:r>
+          </a:p>
+        </p:txBody>
+      </p:sp>
+      <p:pic>
+        <p:nvPicPr>
+          <p:cNvPr id="2" name="Inhaltsplatzhalter 5">
+            <a:extLst>
+              <a:ext uri="{FF2B5EF4-FFF2-40B4-BE49-F238E27FC236}">
+                <a16:creationId xmlns:a16="http://schemas.microsoft.com/office/drawing/2014/main" id="{53583C95-0780-E13D-5059-408577B2D248}"/>
+              </a:ext>
+            </a:extLst>
+          </p:cNvPr>
+          <p:cNvPicPr>
+            <a:picLocks noChangeAspect="1"/>
+          </p:cNvPicPr>
+          <p:nvPr/>
+        </p:nvPicPr>
+        <p:blipFill>
+          <a:blip r:embed="rId2">
+            <a:extLst>
+              <a:ext uri="{28A0092B-C50C-407E-A947-70E740481C1C}">
+                <a14:useLocalDpi xmlns:a14="http://schemas.microsoft.com/office/drawing/2010/main" val="0"/>
+              </a:ext>
+              <a:ext uri="{96DAC541-7B7A-43D3-8B79-37D633B846F1}">
+                <asvg:svgBlip xmlns:asvg="http://schemas.microsoft.com/office/drawing/2016/SVG/main" r:embed="rId3"/>
+              </a:ext>
+            </a:extLst>
+          </a:blip>
+          <a:stretch>
+            <a:fillRect/>
+          </a:stretch>
+        </p:blipFill>
+        <p:spPr>
+          <a:xfrm>
+            <a:off x="5579775" y="376569"/>
+            <a:ext cx="5081908" cy="3523588"/>
+          </a:xfrm>
+          <a:prstGeom prst="rect">
+            <a:avLst/>
+          </a:prstGeom>
+        </p:spPr>
+      </p:pic>
+    </p:spTree>
+    <p:extLst>
+      <p:ext uri="{BB962C8B-B14F-4D97-AF65-F5344CB8AC3E}">
+        <p14:creationId xmlns:p14="http://schemas.microsoft.com/office/powerpoint/2010/main" val="188409602"/>
+      </p:ext>
+    </p:extLst>
+  </p:cSld>
+  <p:clrMapOvr>
+    <a:masterClrMapping/>
+  </p:clrMapOvr>
+</p:sld>
+</file>
+
+<file path=ppt/slides/slide3.xml><?xml version="1.0" encoding="utf-8"?>
 <p:sld xmlns:a="http://schemas.openxmlformats.org/drawingml/2006/main" xmlns:r="http://schemas.openxmlformats.org/officeDocument/2006/relationships" xmlns:p="http://schemas.openxmlformats.org/presentationml/2006/main">
   <p:cSld>
     <p:spTree>
@@ -9518,8 +9883,21 @@
             </a:pPr>
             <a:r>
               <a:rPr lang="en-US" dirty="0"/>
-              <a:t>OR-Mapping Hibernate?</a:t>
-            </a:r>
+              <a:t>OR-Mapping Hibernate für java / </a:t>
+            </a:r>
+            <a:r>
+              <a:rPr lang="en-US" dirty="0" err="1"/>
+              <a:t>Sequelize</a:t>
+            </a:r>
+            <a:r>
+              <a:rPr lang="en-US" dirty="0"/>
+              <a:t> für </a:t>
+            </a:r>
+            <a:r>
+              <a:rPr lang="en-US" dirty="0" err="1"/>
+              <a:t>js</a:t>
+            </a:r>
+            <a:endParaRPr lang="en-US" dirty="0"/>
           </a:p>
           <a:p>
             <a:pPr marL="285750" indent="-285750">
@@ -9600,55 +9978,11 @@
         </p:blipFill>
         <p:spPr>
           <a:xfrm>
-            <a:off x="5346700" y="1146175"/>
-            <a:ext cx="5141294" cy="3564764"/>
+            <a:off x="5722968" y="1121957"/>
+            <a:ext cx="5081908" cy="3523588"/>
           </a:xfrm>
         </p:spPr>
       </p:pic>
-      <p:sp>
-        <p:nvSpPr>
-          <p:cNvPr id="5" name="Foliennummernplatzhalter 4"/>
-          <p:cNvSpPr>
-            <a:spLocks noGrp="1"/>
-          </p:cNvSpPr>
-          <p:nvPr>
-            <p:ph type="sldNum" sz="quarter" idx="10"/>
-          </p:nvPr>
-        </p:nvSpPr>
-        <p:spPr>
-          <a:xfrm>
-            <a:off x="8947150" y="7165975"/>
-            <a:ext cx="1223963" cy="228600"/>
-          </a:xfrm>
-        </p:spPr>
-        <p:txBody>
-          <a:bodyPr wrap="square" anchor="t">
-            <a:normAutofit/>
-          </a:bodyPr>
-          <a:lstStyle/>
-          <a:p>
-            <a:pPr>
-              <a:spcAft>
-                <a:spcPts val="600"/>
-              </a:spcAft>
-            </a:pPr>
-            <a:r>
-              <a:rPr lang="de-DE"/>
-              <a:t>Seite </a:t>
-            </a:r>
-            <a:fld id="{CAEED438-B660-4C04-BC25-4C23CCFBC7F4}" type="slidenum">
-              <a:rPr lang="de-DE" smtClean="0"/>
-              <a:pPr>
-                <a:spcAft>
-                  <a:spcPts val="600"/>
-                </a:spcAft>
-              </a:pPr>
-              <a:t>2</a:t>
-            </a:fld>
-            <a:endParaRPr lang="de-DE"/>
-          </a:p>
-        </p:txBody>
-      </p:sp>
     </p:spTree>
     <p:extLst>
       <p:ext uri="{BB962C8B-B14F-4D97-AF65-F5344CB8AC3E}">
@@ -9662,7 +9996,7 @@
 </p:sld>
 </file>
 
-<file path=ppt/slides/slide3.xml><?xml version="1.0" encoding="utf-8"?>
+<file path=ppt/slides/slide4.xml><?xml version="1.0" encoding="utf-8"?>
 <p:sld xmlns:a="http://schemas.openxmlformats.org/drawingml/2006/main" xmlns:r="http://schemas.openxmlformats.org/officeDocument/2006/relationships" xmlns:p="http://schemas.openxmlformats.org/presentationml/2006/main" show="0">
   <p:cSld>
     <p:spTree>
@@ -9679,34 +10013,6 @@
           <a:chExt cx="0" cy="0"/>
         </a:xfrm>
       </p:grpSpPr>
-      <p:sp>
-        <p:nvSpPr>
-          <p:cNvPr id="15" name="Foliennummernplatzhalter 3"/>
-          <p:cNvSpPr>
-            <a:spLocks noGrp="1"/>
-          </p:cNvSpPr>
-          <p:nvPr>
-            <p:ph type="sldNum" sz="quarter" idx="10"/>
-          </p:nvPr>
-        </p:nvSpPr>
-        <p:spPr/>
-        <p:txBody>
-          <a:bodyPr/>
-          <a:lstStyle/>
-          <a:p>
-            <a:r>
-              <a:rPr lang="de-DE"/>
-              <a:t>Seite </a:t>
-            </a:r>
-            <a:fld id="{39BC1543-AAC8-420D-BBBB-BCE8A35A375E}" type="slidenum">
-              <a:rPr lang="de-DE"/>
-              <a:pPr/>
-              <a:t>3</a:t>
-            </a:fld>
-            <a:endParaRPr lang="de-DE"/>
-          </a:p>
-        </p:txBody>
-      </p:sp>
       <p:sp>
         <p:nvSpPr>
           <p:cNvPr id="2050" name="Rectangle 2"/>
@@ -10088,7 +10394,7 @@
 </p:sld>
 </file>
 
-<file path=ppt/slides/slide4.xml><?xml version="1.0" encoding="utf-8"?>
+<file path=ppt/slides/slide5.xml><?xml version="1.0" encoding="utf-8"?>
 <p:sld xmlns:a="http://schemas.openxmlformats.org/drawingml/2006/main" xmlns:r="http://schemas.openxmlformats.org/officeDocument/2006/relationships" xmlns:p="http://schemas.openxmlformats.org/presentationml/2006/main" show="0">
   <p:cSld>
     <p:spTree>
@@ -10105,34 +10411,6 @@
           <a:chExt cx="0" cy="0"/>
         </a:xfrm>
       </p:grpSpPr>
-      <p:sp>
-        <p:nvSpPr>
-          <p:cNvPr id="16" name="Foliennummernplatzhalter 3"/>
-          <p:cNvSpPr>
-            <a:spLocks noGrp="1"/>
-          </p:cNvSpPr>
-          <p:nvPr>
-            <p:ph type="sldNum" sz="quarter" idx="10"/>
-          </p:nvPr>
-        </p:nvSpPr>
-        <p:spPr/>
-        <p:txBody>
-          <a:bodyPr/>
-          <a:lstStyle/>
-          <a:p>
-            <a:r>
-              <a:rPr lang="de-DE"/>
-              <a:t>Seite </a:t>
-            </a:r>
-            <a:fld id="{7773432F-E653-4282-96AA-0C3662A4EB5F}" type="slidenum">
-              <a:rPr lang="de-DE"/>
-              <a:pPr/>
-              <a:t>4</a:t>
-            </a:fld>
-            <a:endParaRPr lang="de-DE"/>
-          </a:p>
-        </p:txBody>
-      </p:sp>
       <p:sp>
         <p:nvSpPr>
           <p:cNvPr id="13329" name="Rectangle 17"/>
@@ -10341,7 +10619,7 @@
                         <a:tabLst/>
                       </a:pPr>
                       <a:r>
-                        <a:rPr kumimoji="0" lang="de-DE" sz="1700" b="0" i="0" u="none" strike="noStrike" cap="none" normalizeH="0" baseline="0">
+                        <a:rPr kumimoji="0" lang="de-DE" sz="1700" b="0" i="0" u="none" strike="noStrike" cap="none" normalizeH="0" baseline="0" dirty="0">
                           <a:ln>
                             <a:noFill/>
                           </a:ln>
@@ -10372,7 +10650,7 @@
                         <a:tabLst/>
                       </a:pPr>
                       <a:r>
-                        <a:rPr kumimoji="0" lang="de-DE" sz="1700" b="0" i="0" u="none" strike="noStrike" cap="none" normalizeH="0" baseline="0">
+                        <a:rPr kumimoji="0" lang="de-DE" sz="1700" b="0" i="0" u="none" strike="noStrike" cap="none" normalizeH="0" baseline="0" dirty="0">
                           <a:ln>
                             <a:noFill/>
                           </a:ln>
@@ -10403,7 +10681,7 @@
                         <a:tabLst/>
                       </a:pPr>
                       <a:r>
-                        <a:rPr kumimoji="0" lang="de-DE" sz="1700" b="0" i="0" u="none" strike="noStrike" cap="none" normalizeH="0" baseline="0">
+                        <a:rPr kumimoji="0" lang="de-DE" sz="1700" b="0" i="0" u="none" strike="noStrike" cap="none" normalizeH="0" baseline="0" dirty="0">
                           <a:ln>
                             <a:noFill/>
                           </a:ln>
@@ -10434,7 +10712,7 @@
                         <a:tabLst/>
                       </a:pPr>
                       <a:r>
-                        <a:rPr kumimoji="0" lang="de-DE" sz="1700" b="0" i="0" u="none" strike="noStrike" cap="none" normalizeH="0" baseline="0">
+                        <a:rPr kumimoji="0" lang="de-DE" sz="1700" b="0" i="0" u="none" strike="noStrike" cap="none" normalizeH="0" baseline="0" dirty="0">
                           <a:ln>
                             <a:noFill/>
                           </a:ln>
@@ -10600,148 +10878,6 @@
 </p:sld>
 </file>
 
-<file path=ppt/slides/slide5.xml><?xml version="1.0" encoding="utf-8"?>
-<p:sld xmlns:a="http://schemas.openxmlformats.org/drawingml/2006/main" xmlns:r="http://schemas.openxmlformats.org/officeDocument/2006/relationships" xmlns:p="http://schemas.openxmlformats.org/presentationml/2006/main" show="0">
-  <p:cSld>
-    <p:spTree>
-      <p:nvGrpSpPr>
-        <p:cNvPr id="1" name=""/>
-        <p:cNvGrpSpPr/>
-        <p:nvPr/>
-      </p:nvGrpSpPr>
-      <p:grpSpPr>
-        <a:xfrm>
-          <a:off x="0" y="0"/>
-          <a:ext cx="0" cy="0"/>
-          <a:chOff x="0" y="0"/>
-          <a:chExt cx="0" cy="0"/>
-        </a:xfrm>
-      </p:grpSpPr>
-      <p:sp>
-        <p:nvSpPr>
-          <p:cNvPr id="4" name="Foliennummernplatzhalter 3"/>
-          <p:cNvSpPr>
-            <a:spLocks noGrp="1"/>
-          </p:cNvSpPr>
-          <p:nvPr>
-            <p:ph type="sldNum" sz="quarter" idx="10"/>
-          </p:nvPr>
-        </p:nvSpPr>
-        <p:spPr/>
-        <p:txBody>
-          <a:bodyPr/>
-          <a:lstStyle/>
-          <a:p>
-            <a:r>
-              <a:rPr lang="de-DE"/>
-              <a:t>Seite </a:t>
-            </a:r>
-            <a:fld id="{4CDCE16C-BB8B-41B6-BC70-61DAD202005A}" type="slidenum">
-              <a:rPr lang="de-DE"/>
-              <a:pPr/>
-              <a:t>5</a:t>
-            </a:fld>
-            <a:endParaRPr lang="de-DE"/>
-          </a:p>
-        </p:txBody>
-      </p:sp>
-      <p:sp>
-        <p:nvSpPr>
-          <p:cNvPr id="9218" name="Rectangle 2"/>
-          <p:cNvSpPr>
-            <a:spLocks noGrp="1" noChangeArrowheads="1"/>
-          </p:cNvSpPr>
-          <p:nvPr>
-            <p:ph type="title"/>
-          </p:nvPr>
-        </p:nvSpPr>
-        <p:spPr/>
-        <p:txBody>
-          <a:bodyPr/>
-          <a:lstStyle/>
-          <a:p>
-            <a:r>
-              <a:rPr lang="de-DE"/>
-              <a:t>Textfolie</a:t>
-            </a:r>
-            <a:br>
-              <a:rPr lang="de-DE"/>
-            </a:br>
-            <a:r>
-              <a:rPr lang="de-DE" sz="2400" b="0" i="1"/>
-              <a:t>Hier steht die Subheadline</a:t>
-            </a:r>
-          </a:p>
-        </p:txBody>
-      </p:sp>
-      <p:sp>
-        <p:nvSpPr>
-          <p:cNvPr id="9219" name="Rectangle 3"/>
-          <p:cNvSpPr>
-            <a:spLocks noGrp="1" noChangeArrowheads="1"/>
-          </p:cNvSpPr>
-          <p:nvPr>
-            <p:ph type="body" idx="1"/>
-          </p:nvPr>
-        </p:nvSpPr>
-        <p:spPr>
-          <a:noFill/>
-        </p:spPr>
-        <p:txBody>
-          <a:bodyPr/>
-          <a:lstStyle/>
-          <a:p>
-            <a:r>
-              <a:rPr lang="en-US"/>
-              <a:t>Fließtext ohne Aufzählung und Einrückung. </a:t>
-            </a:r>
-            <a:r>
-              <a:rPr lang="en-US" b="1"/>
-              <a:t>Hervorhebung</a:t>
-            </a:r>
-            <a:r>
-              <a:rPr lang="en-US"/>
-              <a:t> ist in allen Ebenen fett.</a:t>
-            </a:r>
-          </a:p>
-          <a:p>
-            <a:pPr lvl="1"/>
-            <a:r>
-              <a:rPr lang="en-US"/>
-              <a:t>Zweite Ebene mit Einrückung und Aufzählungszeichen</a:t>
-            </a:r>
-          </a:p>
-          <a:p>
-            <a:pPr lvl="2"/>
-            <a:r>
-              <a:rPr lang="en-US"/>
-              <a:t>Dritte Ebene mit Einrückung und Aufzählungszeichen</a:t>
-            </a:r>
-          </a:p>
-          <a:p>
-            <a:pPr lvl="3"/>
-            <a:r>
-              <a:rPr lang="en-US"/>
-              <a:t>Vierte Ebene kursiv mit Einrückung und Aufzählungszeichen</a:t>
-            </a:r>
-          </a:p>
-          <a:p>
-            <a:pPr lvl="4"/>
-            <a:r>
-              <a:rPr lang="en-US"/>
-              <a:t>Fünfte Ebene mit Einrückung und Aufzählungszeichen</a:t>
-            </a:r>
-          </a:p>
-        </p:txBody>
-      </p:sp>
-    </p:spTree>
-  </p:cSld>
-  <p:clrMapOvr>
-    <a:masterClrMapping/>
-  </p:clrMapOvr>
-</p:sld>
-</file>
-
 <file path=ppt/slides/slide6.xml><?xml version="1.0" encoding="utf-8"?>
 <p:sld xmlns:a="http://schemas.openxmlformats.org/drawingml/2006/main" xmlns:r="http://schemas.openxmlformats.org/officeDocument/2006/relationships" xmlns:p="http://schemas.openxmlformats.org/presentationml/2006/main" show="0">
   <p:cSld>
@@ -10761,35 +10897,7 @@
       </p:grpSpPr>
       <p:sp>
         <p:nvSpPr>
-          <p:cNvPr id="5" name="Foliennummernplatzhalter 4"/>
-          <p:cNvSpPr>
-            <a:spLocks noGrp="1"/>
-          </p:cNvSpPr>
-          <p:nvPr>
-            <p:ph type="sldNum" sz="quarter" idx="10"/>
-          </p:nvPr>
-        </p:nvSpPr>
-        <p:spPr/>
-        <p:txBody>
-          <a:bodyPr/>
-          <a:lstStyle/>
-          <a:p>
-            <a:r>
-              <a:rPr lang="de-DE"/>
-              <a:t>Seite </a:t>
-            </a:r>
-            <a:fld id="{CAEED438-B660-4C04-BC25-4C23CCFBC7F4}" type="slidenum">
-              <a:rPr lang="de-DE"/>
-              <a:pPr/>
-              <a:t>6</a:t>
-            </a:fld>
-            <a:endParaRPr lang="de-DE"/>
-          </a:p>
-        </p:txBody>
-      </p:sp>
-      <p:sp>
-        <p:nvSpPr>
-          <p:cNvPr id="14340" name="Rectangle 4"/>
+          <p:cNvPr id="9218" name="Rectangle 2"/>
           <p:cNvSpPr>
             <a:spLocks noGrp="1" noChangeArrowheads="1"/>
           </p:cNvSpPr>
@@ -10803,55 +10911,244 @@
           <a:lstStyle/>
           <a:p>
             <a:r>
-              <a:rPr lang="en-US"/>
-              <a:t>Textfolie zweispaltig</a:t>
+              <a:rPr lang="de-DE"/>
+              <a:t>Textfolie</a:t>
             </a:r>
             <a:br>
-              <a:rPr lang="en-US"/>
+              <a:rPr lang="de-DE"/>
             </a:br>
             <a:r>
               <a:rPr lang="de-DE" sz="2400" b="0" i="1"/>
               <a:t>Hier steht die Subheadline</a:t>
             </a:r>
-            <a:endParaRPr lang="en-US" sz="2400" b="0" i="1"/>
           </a:p>
         </p:txBody>
       </p:sp>
       <p:sp>
         <p:nvSpPr>
-          <p:cNvPr id="14341" name="Rectangle 5"/>
+          <p:cNvPr id="9219" name="Rectangle 3"/>
           <p:cNvSpPr>
             <a:spLocks noGrp="1" noChangeArrowheads="1"/>
           </p:cNvSpPr>
           <p:nvPr>
-            <p:ph type="body" sz="half" idx="1"/>
+            <p:ph type="body" idx="1"/>
           </p:nvPr>
         </p:nvSpPr>
-        <p:spPr/>
+        <p:spPr>
+          <a:noFill/>
+        </p:spPr>
         <p:txBody>
           <a:bodyPr/>
           <a:lstStyle/>
           <a:p>
-            <a:endParaRPr lang="en-US" sz="1700"/>
-          </a:p>
-        </p:txBody>
-      </p:sp>
-      <p:sp>
-        <p:nvSpPr>
-          <p:cNvPr id="14342" name="Rectangle 6"/>
-          <p:cNvSpPr>
-            <a:spLocks noGrp="1" noChangeArrowheads="1"/>
-          </p:cNvSpPr>
-          <p:nvPr>
-            <p:ph type="body" sz="half" idx="2"/>
-          </p:nvPr>
-        </p:nvSpPr>
-        <p:spPr/>
-        <p:txBody>
-          <a:bodyPr/>
-          <a:lstStyle/>
-          <a:p>
-            <a:endParaRPr lang="en-US" sz="1700"/>
+            <a:r>
+              <a:rPr lang="en-US" dirty="0" err="1"/>
+              <a:t>Fließtext</a:t>
+            </a:r>
+            <a:r>
+              <a:rPr lang="en-US" dirty="0"/>
+              <a:t> </a:t>
+            </a:r>
+            <a:r>
+              <a:rPr lang="en-US" dirty="0" err="1"/>
+              <a:t>ohne</a:t>
+            </a:r>
+            <a:r>
+              <a:rPr lang="en-US" dirty="0"/>
+              <a:t> </a:t>
+            </a:r>
+            <a:r>
+              <a:rPr lang="en-US" dirty="0" err="1"/>
+              <a:t>Aufzählung</a:t>
+            </a:r>
+            <a:r>
+              <a:rPr lang="en-US" dirty="0"/>
+              <a:t> und </a:t>
+            </a:r>
+            <a:r>
+              <a:rPr lang="en-US" dirty="0" err="1"/>
+              <a:t>Einrückung</a:t>
+            </a:r>
+            <a:r>
+              <a:rPr lang="en-US" dirty="0"/>
+              <a:t>. </a:t>
+            </a:r>
+            <a:r>
+              <a:rPr lang="en-US" b="1" dirty="0" err="1"/>
+              <a:t>Hervorhebung</a:t>
+            </a:r>
+            <a:r>
+              <a:rPr lang="en-US" dirty="0"/>
+              <a:t> </a:t>
+            </a:r>
+            <a:r>
+              <a:rPr lang="en-US" dirty="0" err="1"/>
+              <a:t>ist</a:t>
+            </a:r>
+            <a:r>
+              <a:rPr lang="en-US" dirty="0"/>
+              <a:t> in </a:t>
+            </a:r>
+            <a:r>
+              <a:rPr lang="en-US" dirty="0" err="1"/>
+              <a:t>allen</a:t>
+            </a:r>
+            <a:r>
+              <a:rPr lang="en-US" dirty="0"/>
+              <a:t> </a:t>
+            </a:r>
+            <a:r>
+              <a:rPr lang="en-US" dirty="0" err="1"/>
+              <a:t>Ebenen</a:t>
+            </a:r>
+            <a:r>
+              <a:rPr lang="en-US" dirty="0"/>
+              <a:t> </a:t>
+            </a:r>
+            <a:r>
+              <a:rPr lang="en-US" dirty="0" err="1"/>
+              <a:t>fett</a:t>
+            </a:r>
+            <a:r>
+              <a:rPr lang="en-US" dirty="0"/>
+              <a:t>.</a:t>
+            </a:r>
+          </a:p>
+          <a:p>
+            <a:pPr lvl="1"/>
+            <a:r>
+              <a:rPr lang="en-US" dirty="0" err="1"/>
+              <a:t>Zweite</a:t>
+            </a:r>
+            <a:r>
+              <a:rPr lang="en-US" dirty="0"/>
+              <a:t> Ebene </a:t>
+            </a:r>
+            <a:r>
+              <a:rPr lang="en-US" dirty="0" err="1"/>
+              <a:t>mit</a:t>
+            </a:r>
+            <a:r>
+              <a:rPr lang="en-US" dirty="0"/>
+              <a:t> </a:t>
+            </a:r>
+            <a:r>
+              <a:rPr lang="en-US" dirty="0" err="1"/>
+              <a:t>Einrückung</a:t>
+            </a:r>
+            <a:r>
+              <a:rPr lang="en-US" dirty="0"/>
+              <a:t> und </a:t>
+            </a:r>
+            <a:r>
+              <a:rPr lang="en-US" dirty="0" err="1"/>
+              <a:t>Aufzählungszeichen</a:t>
+            </a:r>
+            <a:endParaRPr lang="en-US" dirty="0"/>
+          </a:p>
+          <a:p>
+            <a:pPr lvl="2"/>
+            <a:r>
+              <a:rPr lang="en-US" dirty="0" err="1"/>
+              <a:t>Dritte</a:t>
+            </a:r>
+            <a:r>
+              <a:rPr lang="en-US" dirty="0"/>
+              <a:t> Ebene </a:t>
+            </a:r>
+            <a:r>
+              <a:rPr lang="en-US" dirty="0" err="1"/>
+              <a:t>mit</a:t>
+            </a:r>
+            <a:r>
+              <a:rPr lang="en-US" dirty="0"/>
+              <a:t> </a:t>
+            </a:r>
+            <a:r>
+              <a:rPr lang="en-US" dirty="0" err="1"/>
+              <a:t>Einrückung</a:t>
+            </a:r>
+            <a:r>
+              <a:rPr lang="en-US" dirty="0"/>
+              <a:t> und </a:t>
+            </a:r>
+            <a:r>
+              <a:rPr lang="en-US" dirty="0" err="1"/>
+              <a:t>Aufzählungszeichen</a:t>
+            </a:r>
+            <a:endParaRPr lang="en-US" dirty="0"/>
+          </a:p>
+          <a:p>
+            <a:pPr lvl="3"/>
+            <a:r>
+              <a:rPr lang="en-US" dirty="0" err="1"/>
+              <a:t>Vierte</a:t>
+            </a:r>
+            <a:r>
+              <a:rPr lang="en-US" dirty="0"/>
+              <a:t> Ebene </a:t>
+            </a:r>
+            <a:r>
+              <a:rPr lang="en-US" dirty="0" err="1"/>
+              <a:t>kursiv</a:t>
+            </a:r>
+            <a:r>
+              <a:rPr lang="en-US" dirty="0"/>
+              <a:t> </a:t>
+            </a:r>
+            <a:r>
+              <a:rPr lang="en-US" dirty="0" err="1"/>
+              <a:t>mit</a:t>
+            </a:r>
+            <a:r>
+              <a:rPr lang="en-US" dirty="0"/>
+              <a:t> </a:t>
+            </a:r>
+            <a:r>
+              <a:rPr lang="en-US" dirty="0" err="1"/>
+              <a:t>Einrückung</a:t>
+            </a:r>
+            <a:r>
+              <a:rPr lang="en-US" dirty="0"/>
+              <a:t> und </a:t>
+            </a:r>
+            <a:r>
+              <a:rPr lang="en-US" dirty="0" err="1"/>
+              <a:t>Aufzählungszeichen</a:t>
+            </a:r>
+            <a:endParaRPr lang="en-US" dirty="0"/>
+          </a:p>
+          <a:p>
+            <a:pPr lvl="4"/>
+            <a:r>
+              <a:rPr lang="en-US" dirty="0" err="1"/>
+              <a:t>Fünfte</a:t>
+            </a:r>
+            <a:r>
+              <a:rPr lang="en-US" dirty="0"/>
+              <a:t> Ebene </a:t>
+            </a:r>
+            <a:r>
+              <a:rPr lang="en-US" dirty="0" err="1"/>
+              <a:t>mit</a:t>
+            </a:r>
+            <a:r>
+              <a:rPr lang="en-US" dirty="0"/>
+              <a:t> </a:t>
+            </a:r>
+            <a:r>
+              <a:rPr lang="en-US" dirty="0" err="1"/>
+              <a:t>Einrückung</a:t>
+            </a:r>
+            <a:r>
+              <a:rPr lang="en-US" dirty="0"/>
+              <a:t> und </a:t>
+            </a:r>
+            <a:r>
+              <a:rPr lang="en-US" dirty="0" err="1"/>
+              <a:t>Aufzählungszeichen</a:t>
+            </a:r>
+            <a:endParaRPr lang="en-US" dirty="0"/>
           </a:p>
         </p:txBody>
       </p:sp>
@@ -10882,12 +11179,12 @@
       </p:grpSpPr>
       <p:sp>
         <p:nvSpPr>
-          <p:cNvPr id="5" name="Foliennummernplatzhalter 4"/>
+          <p:cNvPr id="14340" name="Rectangle 4"/>
           <p:cNvSpPr>
-            <a:spLocks noGrp="1"/>
+            <a:spLocks noGrp="1" noChangeArrowheads="1"/>
           </p:cNvSpPr>
           <p:nvPr>
-            <p:ph type="sldNum" sz="quarter" idx="10"/>
+            <p:ph type="title"/>
           </p:nvPr>
         </p:nvSpPr>
         <p:spPr/>
@@ -10896,18 +11193,83 @@
           <a:lstStyle/>
           <a:p>
             <a:r>
-              <a:rPr lang="de-DE"/>
-              <a:t>Seite </a:t>
-            </a:r>
-            <a:fld id="{4D35A6D1-10F6-44CF-9111-9D0A7E046229}" type="slidenum">
-              <a:rPr lang="de-DE"/>
-              <a:pPr/>
-              <a:t>7</a:t>
-            </a:fld>
-            <a:endParaRPr lang="de-DE"/>
+              <a:rPr lang="en-US"/>
+              <a:t>Textfolie zweispaltig</a:t>
+            </a:r>
+            <a:br>
+              <a:rPr lang="en-US"/>
+            </a:br>
+            <a:r>
+              <a:rPr lang="de-DE" sz="2400" b="0" i="1"/>
+              <a:t>Hier steht die Subheadline</a:t>
+            </a:r>
+            <a:endParaRPr lang="en-US" sz="2400" b="0" i="1"/>
           </a:p>
         </p:txBody>
       </p:sp>
+      <p:sp>
+        <p:nvSpPr>
+          <p:cNvPr id="14341" name="Rectangle 5"/>
+          <p:cNvSpPr>
+            <a:spLocks noGrp="1" noChangeArrowheads="1"/>
+          </p:cNvSpPr>
+          <p:nvPr>
+            <p:ph type="body" sz="half" idx="1"/>
+          </p:nvPr>
+        </p:nvSpPr>
+        <p:spPr/>
+        <p:txBody>
+          <a:bodyPr/>
+          <a:lstStyle/>
+          <a:p>
+            <a:endParaRPr lang="en-US" sz="1700"/>
+          </a:p>
+        </p:txBody>
+      </p:sp>
+      <p:sp>
+        <p:nvSpPr>
+          <p:cNvPr id="14342" name="Rectangle 6"/>
+          <p:cNvSpPr>
+            <a:spLocks noGrp="1" noChangeArrowheads="1"/>
+          </p:cNvSpPr>
+          <p:nvPr>
+            <p:ph type="body" sz="half" idx="2"/>
+          </p:nvPr>
+        </p:nvSpPr>
+        <p:spPr/>
+        <p:txBody>
+          <a:bodyPr/>
+          <a:lstStyle/>
+          <a:p>
+            <a:endParaRPr lang="en-US" sz="1700"/>
+          </a:p>
+        </p:txBody>
+      </p:sp>
+    </p:spTree>
+  </p:cSld>
+  <p:clrMapOvr>
+    <a:masterClrMapping/>
+  </p:clrMapOvr>
+</p:sld>
+</file>
+
+<file path=ppt/slides/slide8.xml><?xml version="1.0" encoding="utf-8"?>
+<p:sld xmlns:a="http://schemas.openxmlformats.org/drawingml/2006/main" xmlns:r="http://schemas.openxmlformats.org/officeDocument/2006/relationships" xmlns:p="http://schemas.openxmlformats.org/presentationml/2006/main" show="0">
+  <p:cSld>
+    <p:spTree>
+      <p:nvGrpSpPr>
+        <p:cNvPr id="1" name=""/>
+        <p:cNvGrpSpPr/>
+        <p:nvPr/>
+      </p:nvGrpSpPr>
+      <p:grpSpPr>
+        <a:xfrm>
+          <a:off x="0" y="0"/>
+          <a:ext cx="0" cy="0"/>
+          <a:chOff x="0" y="0"/>
+          <a:chExt cx="0" cy="0"/>
+        </a:xfrm>
+      </p:grpSpPr>
       <p:sp>
         <p:nvSpPr>
           <p:cNvPr id="16388" name="Rectangle 4"/>
@@ -11002,14 +11364,14 @@
           <a:effectLst/>
           <a:extLst>
             <a:ext uri="{909E8E84-426E-40dd-AFC4-6F175D3DCCD1}">
-              <a14:hiddenFill xmlns="" xmlns:a14="http://schemas.microsoft.com/office/drawing/2010/main">
+              <a14:hiddenFill xmlns:a14="http://schemas.microsoft.com/office/drawing/2010/main" xmlns="">
                 <a:solidFill>
                   <a:schemeClr val="accent1"/>
                 </a:solidFill>
               </a14:hiddenFill>
             </a:ext>
             <a:ext uri="{91240B29-F687-4f45-9708-019B960494DF}">
-              <a14:hiddenLine xmlns="" xmlns:a14="http://schemas.microsoft.com/office/drawing/2010/main" w="9525">
+              <a14:hiddenLine xmlns:a14="http://schemas.microsoft.com/office/drawing/2010/main" xmlns="" w="9525">
                 <a:solidFill>
                   <a:schemeClr val="tx1"/>
                 </a:solidFill>
@@ -11019,7 +11381,7 @@
               </a14:hiddenLine>
             </a:ext>
             <a:ext uri="{AF507438-7753-43e0-B8FC-AC1667EBCBE1}">
-              <a14:hiddenEffects xmlns="" xmlns:a14="http://schemas.microsoft.com/office/drawing/2010/main">
+              <a14:hiddenEffects xmlns:a14="http://schemas.microsoft.com/office/drawing/2010/main" xmlns="">
                 <a:effectLst>
                   <a:outerShdw dist="35921" dir="2700000" algn="ctr" rotWithShape="0">
                     <a:schemeClr val="bg2"/>
@@ -11038,7 +11400,7 @@
 </p:sld>
 </file>
 
-<file path=ppt/slides/slide8.xml><?xml version="1.0" encoding="utf-8"?>
+<file path=ppt/slides/slide9.xml><?xml version="1.0" encoding="utf-8"?>
 <p:sld xmlns:a="http://schemas.openxmlformats.org/drawingml/2006/main" xmlns:r="http://schemas.openxmlformats.org/officeDocument/2006/relationships" xmlns:p="http://schemas.openxmlformats.org/presentationml/2006/main" show="0">
   <p:cSld>
     <p:spTree>
@@ -11055,34 +11417,6 @@
           <a:chExt cx="0" cy="0"/>
         </a:xfrm>
       </p:grpSpPr>
-      <p:sp>
-        <p:nvSpPr>
-          <p:cNvPr id="5" name="Foliennummernplatzhalter 4"/>
-          <p:cNvSpPr>
-            <a:spLocks noGrp="1"/>
-          </p:cNvSpPr>
-          <p:nvPr>
-            <p:ph type="sldNum" sz="quarter" idx="10"/>
-          </p:nvPr>
-        </p:nvSpPr>
-        <p:spPr/>
-        <p:txBody>
-          <a:bodyPr/>
-          <a:lstStyle/>
-          <a:p>
-            <a:r>
-              <a:rPr lang="de-DE"/>
-              <a:t>Seite </a:t>
-            </a:r>
-            <a:fld id="{77904B16-A1A9-4FCD-9130-A2400ACBA0C8}" type="slidenum">
-              <a:rPr lang="de-DE"/>
-              <a:pPr/>
-              <a:t>8</a:t>
-            </a:fld>
-            <a:endParaRPr lang="de-DE"/>
-          </a:p>
-        </p:txBody>
-      </p:sp>
       <p:sp>
         <p:nvSpPr>
           <p:cNvPr id="19458" name="Rectangle 2"/>
@@ -11186,14 +11520,14 @@
           <a:effectLst/>
           <a:extLst>
             <a:ext uri="{909E8E84-426E-40dd-AFC4-6F175D3DCCD1}">
-              <a14:hiddenFill xmlns="" xmlns:a14="http://schemas.microsoft.com/office/drawing/2010/main">
+              <a14:hiddenFill xmlns:a14="http://schemas.microsoft.com/office/drawing/2010/main" xmlns="">
                 <a:solidFill>
                   <a:schemeClr val="accent1"/>
                 </a:solidFill>
               </a14:hiddenFill>
             </a:ext>
             <a:ext uri="{91240B29-F687-4f45-9708-019B960494DF}">
-              <a14:hiddenLine xmlns="" xmlns:a14="http://schemas.microsoft.com/office/drawing/2010/main" w="9525">
+              <a14:hiddenLine xmlns:a14="http://schemas.microsoft.com/office/drawing/2010/main" xmlns="" w="9525">
                 <a:solidFill>
                   <a:schemeClr val="tx1"/>
                 </a:solidFill>
@@ -11203,7 +11537,7 @@
               </a14:hiddenLine>
             </a:ext>
             <a:ext uri="{AF507438-7753-43e0-B8FC-AC1667EBCBE1}">
-              <a14:hiddenEffects xmlns="" xmlns:a14="http://schemas.microsoft.com/office/drawing/2010/main">
+              <a14:hiddenEffects xmlns:a14="http://schemas.microsoft.com/office/drawing/2010/main" xmlns="">
                 <a:effectLst>
                   <a:outerShdw dist="35921" dir="2700000" algn="ctr" rotWithShape="0">
                     <a:schemeClr val="bg2"/>
@@ -11214,259 +11548,6 @@
           </a:extLst>
         </p:spPr>
       </p:pic>
-    </p:spTree>
-  </p:cSld>
-  <p:clrMapOvr>
-    <a:masterClrMapping/>
-  </p:clrMapOvr>
-</p:sld>
-</file>
-
-<file path=ppt/slides/slide9.xml><?xml version="1.0" encoding="utf-8"?>
-<p:sld xmlns:a="http://schemas.openxmlformats.org/drawingml/2006/main" xmlns:r="http://schemas.openxmlformats.org/officeDocument/2006/relationships" xmlns:p="http://schemas.openxmlformats.org/presentationml/2006/main" show="0">
-  <p:cSld>
-    <p:spTree>
-      <p:nvGrpSpPr>
-        <p:cNvPr id="1" name=""/>
-        <p:cNvGrpSpPr/>
-        <p:nvPr/>
-      </p:nvGrpSpPr>
-      <p:grpSpPr>
-        <a:xfrm>
-          <a:off x="0" y="0"/>
-          <a:ext cx="0" cy="0"/>
-          <a:chOff x="0" y="0"/>
-          <a:chExt cx="0" cy="0"/>
-        </a:xfrm>
-      </p:grpSpPr>
-      <p:sp>
-        <p:nvSpPr>
-          <p:cNvPr id="6" name="Foliennummernplatzhalter 4"/>
-          <p:cNvSpPr>
-            <a:spLocks noGrp="1"/>
-          </p:cNvSpPr>
-          <p:nvPr>
-            <p:ph type="sldNum" sz="quarter" idx="10"/>
-          </p:nvPr>
-        </p:nvSpPr>
-        <p:spPr/>
-        <p:txBody>
-          <a:bodyPr/>
-          <a:lstStyle/>
-          <a:p>
-            <a:r>
-              <a:rPr lang="de-DE"/>
-              <a:t>Seite </a:t>
-            </a:r>
-            <a:fld id="{88255D18-0AF0-4429-A96E-59C5FC24C8FC}" type="slidenum">
-              <a:rPr lang="de-DE"/>
-              <a:pPr/>
-              <a:t>9</a:t>
-            </a:fld>
-            <a:endParaRPr lang="de-DE"/>
-          </a:p>
-        </p:txBody>
-      </p:sp>
-      <p:pic>
-        <p:nvPicPr>
-          <p:cNvPr id="20503" name="Rectangle 22" descr="Andy_Spyra19062008003"/>
-          <p:cNvPicPr>
-            <a:picLocks noChangeAspect="1" noChangeArrowheads="1"/>
-          </p:cNvPicPr>
-          <p:nvPr>
-            <p:custDataLst>
-              <p:tags r:id="rId1"/>
-            </p:custDataLst>
-          </p:nvPr>
-        </p:nvPicPr>
-        <p:blipFill>
-          <a:blip r:embed="rId4" cstate="print">
-            <a:extLst>
-              <a:ext uri="{28A0092B-C50C-407E-A947-70E740481C1C}">
-                <a14:useLocalDpi xmlns:a14="http://schemas.microsoft.com/office/drawing/2010/main" val="0"/>
-              </a:ext>
-            </a:extLst>
-          </a:blip>
-          <a:srcRect l="61836" t="19646" b="43013"/>
-          <a:stretch>
-            <a:fillRect/>
-          </a:stretch>
-        </p:blipFill>
-        <p:spPr bwMode="gray">
-          <a:xfrm>
-            <a:off x="4986338" y="2125663"/>
-            <a:ext cx="3311525" cy="2160587"/>
-          </a:xfrm>
-          <a:prstGeom prst="rect">
-            <a:avLst/>
-          </a:prstGeom>
-          <a:noFill/>
-          <a:ln>
-            <a:noFill/>
-          </a:ln>
-          <a:effectLst/>
-          <a:extLst>
-            <a:ext uri="{909E8E84-426E-40dd-AFC4-6F175D3DCCD1}">
-              <a14:hiddenFill xmlns="" xmlns:a14="http://schemas.microsoft.com/office/drawing/2010/main">
-                <a:solidFill>
-                  <a:schemeClr val="accent1"/>
-                </a:solidFill>
-              </a14:hiddenFill>
-            </a:ext>
-            <a:ext uri="{91240B29-F687-4f45-9708-019B960494DF}">
-              <a14:hiddenLine xmlns="" xmlns:a14="http://schemas.microsoft.com/office/drawing/2010/main" w="9525">
-                <a:solidFill>
-                  <a:schemeClr val="tx1"/>
-                </a:solidFill>
-                <a:miter lim="800000"/>
-                <a:headEnd/>
-                <a:tailEnd/>
-              </a14:hiddenLine>
-            </a:ext>
-            <a:ext uri="{AF507438-7753-43e0-B8FC-AC1667EBCBE1}">
-              <a14:hiddenEffects xmlns="" xmlns:a14="http://schemas.microsoft.com/office/drawing/2010/main">
-                <a:effectLst>
-                  <a:outerShdw dist="35921" dir="2700000" algn="ctr" rotWithShape="0">
-                    <a:schemeClr val="bg2"/>
-                  </a:outerShdw>
-                </a:effectLst>
-              </a14:hiddenEffects>
-            </a:ext>
-          </a:extLst>
-        </p:spPr>
-      </p:pic>
-      <p:pic>
-        <p:nvPicPr>
-          <p:cNvPr id="20489" name="Rectangle 7" descr="Andy_Spyra19062008003"/>
-          <p:cNvPicPr>
-            <a:picLocks noChangeAspect="1" noChangeArrowheads="1"/>
-          </p:cNvPicPr>
-          <p:nvPr>
-            <p:custDataLst>
-              <p:tags r:id="rId2"/>
-            </p:custDataLst>
-          </p:nvPr>
-        </p:nvPicPr>
-        <p:blipFill>
-          <a:blip r:embed="rId5" cstate="print">
-            <a:extLst>
-              <a:ext uri="{28A0092B-C50C-407E-A947-70E740481C1C}">
-                <a14:useLocalDpi xmlns:a14="http://schemas.microsoft.com/office/drawing/2010/main" val="0"/>
-              </a:ext>
-            </a:extLst>
-          </a:blip>
-          <a:srcRect l="1155" r="42464" b="21069"/>
-          <a:stretch>
-            <a:fillRect/>
-          </a:stretch>
-        </p:blipFill>
-        <p:spPr bwMode="gray">
-          <a:xfrm>
-            <a:off x="522288" y="2125663"/>
-            <a:ext cx="4319587" cy="4032250"/>
-          </a:xfrm>
-          <a:prstGeom prst="rect">
-            <a:avLst/>
-          </a:prstGeom>
-          <a:noFill/>
-          <a:ln>
-            <a:noFill/>
-          </a:ln>
-          <a:effectLst/>
-          <a:extLst>
-            <a:ext uri="{909E8E84-426E-40dd-AFC4-6F175D3DCCD1}">
-              <a14:hiddenFill xmlns="" xmlns:a14="http://schemas.microsoft.com/office/drawing/2010/main">
-                <a:solidFill>
-                  <a:schemeClr val="accent1"/>
-                </a:solidFill>
-              </a14:hiddenFill>
-            </a:ext>
-            <a:ext uri="{91240B29-F687-4f45-9708-019B960494DF}">
-              <a14:hiddenLine xmlns="" xmlns:a14="http://schemas.microsoft.com/office/drawing/2010/main" w="9525">
-                <a:solidFill>
-                  <a:schemeClr val="tx1"/>
-                </a:solidFill>
-                <a:miter lim="800000"/>
-                <a:headEnd/>
-                <a:tailEnd/>
-              </a14:hiddenLine>
-            </a:ext>
-            <a:ext uri="{AF507438-7753-43e0-B8FC-AC1667EBCBE1}">
-              <a14:hiddenEffects xmlns="" xmlns:a14="http://schemas.microsoft.com/office/drawing/2010/main">
-                <a:effectLst>
-                  <a:outerShdw dist="35921" dir="2700000" algn="ctr" rotWithShape="0">
-                    <a:schemeClr val="bg2"/>
-                  </a:outerShdw>
-                </a:effectLst>
-              </a14:hiddenEffects>
-            </a:ext>
-          </a:extLst>
-        </p:spPr>
-      </p:pic>
-      <p:sp>
-        <p:nvSpPr>
-          <p:cNvPr id="20482" name="Rectangle 2"/>
-          <p:cNvSpPr>
-            <a:spLocks noGrp="1" noChangeArrowheads="1"/>
-          </p:cNvSpPr>
-          <p:nvPr>
-            <p:ph type="title"/>
-          </p:nvPr>
-        </p:nvSpPr>
-        <p:spPr/>
-        <p:txBody>
-          <a:bodyPr/>
-          <a:lstStyle/>
-          <a:p>
-            <a:r>
-              <a:rPr lang="en-US"/>
-              <a:t>Bildfolie mit zwei Bildern</a:t>
-            </a:r>
-            <a:br>
-              <a:rPr lang="en-US" sz="2400"/>
-            </a:br>
-            <a:r>
-              <a:rPr lang="de-DE" sz="2400" b="0" i="1"/>
-              <a:t>Hier steht die Subheadline</a:t>
-            </a:r>
-            <a:endParaRPr lang="en-US" sz="2400" b="0" i="1"/>
-          </a:p>
-        </p:txBody>
-      </p:sp>
-      <p:sp>
-        <p:nvSpPr>
-          <p:cNvPr id="20483" name="Rectangle 3"/>
-          <p:cNvSpPr>
-            <a:spLocks noGrp="1" noChangeArrowheads="1"/>
-          </p:cNvSpPr>
-          <p:nvPr>
-            <p:ph type="body" sz="half" idx="1"/>
-          </p:nvPr>
-        </p:nvSpPr>
-        <p:spPr>
-          <a:xfrm>
-            <a:off x="5059363" y="4789488"/>
-            <a:ext cx="3743325" cy="1368425"/>
-          </a:xfrm>
-          <a:noFill/>
-        </p:spPr>
-        <p:txBody>
-          <a:bodyPr anchor="b"/>
-          <a:lstStyle/>
-          <a:p>
-            <a:r>
-              <a:rPr lang="en-US" sz="1400" b="1"/>
-              <a:t>Bildunterschrift fett</a:t>
-            </a:r>
-          </a:p>
-          <a:p>
-            <a:r>
-              <a:rPr lang="en-US" sz="1400"/>
-              <a:t>Und zusätzlicher beschreibender Text 14 pt</a:t>
-            </a:r>
-          </a:p>
-        </p:txBody>
-      </p:sp>
     </p:spTree>
   </p:cSld>
   <p:clrMapOvr>
@@ -11755,7 +11836,7 @@
         <a:effectLst/>
         <a:extLst>
           <a:ext uri="{AF507438-7753-43e0-B8FC-AC1667EBCBE1}">
-            <a14:hiddenEffects xmlns="" xmlns:a14="http://schemas.microsoft.com/office/drawing/2010/main">
+            <a14:hiddenEffects xmlns:a14="http://schemas.microsoft.com/office/drawing/2010/main" xmlns="">
               <a:effectLst>
                 <a:outerShdw dist="35921" dir="2700000" algn="ctr" rotWithShape="0">
                   <a:schemeClr val="bg2"/>
@@ -11828,7 +11909,7 @@
         <a:effectLst/>
         <a:extLst>
           <a:ext uri="{AF507438-7753-43e0-B8FC-AC1667EBCBE1}">
-            <a14:hiddenEffects xmlns="" xmlns:a14="http://schemas.microsoft.com/office/drawing/2010/main">
+            <a14:hiddenEffects xmlns:a14="http://schemas.microsoft.com/office/drawing/2010/main" xmlns="">
               <a:effectLst>
                 <a:outerShdw dist="35921" dir="2700000" algn="ctr" rotWithShape="0">
                   <a:schemeClr val="bg2"/>
@@ -12202,4 +12283,299 @@
   <a:objectDefaults/>
   <a:extraClrSchemeLst/>
 </a:theme>
+</file>
+
+<file path=ppt/theme/theme3.xml><?xml version="1.0" encoding="utf-8"?>
+<a:theme xmlns:a="http://schemas.openxmlformats.org/drawingml/2006/main" name="Office">
+  <a:themeElements>
+    <a:clrScheme name="Office">
+      <a:dk1>
+        <a:sysClr val="windowText" lastClr="000000"/>
+      </a:dk1>
+      <a:lt1>
+        <a:sysClr val="window" lastClr="FFFFFF"/>
+      </a:lt1>
+      <a:dk2>
+        <a:srgbClr val="44546A"/>
+      </a:dk2>
+      <a:lt2>
+        <a:srgbClr val="E7E6E6"/>
+      </a:lt2>
+      <a:accent1>
+        <a:srgbClr val="4472C4"/>
+      </a:accent1>
+      <a:accent2>
+        <a:srgbClr val="ED7D31"/>
+      </a:accent2>
+      <a:accent3>
+        <a:srgbClr val="A5A5A5"/>
+      </a:accent3>
+      <a:accent4>
+        <a:srgbClr val="FFC000"/>
+      </a:accent4>
+      <a:accent5>
+        <a:srgbClr val="5B9BD5"/>
+      </a:accent5>
+      <a:accent6>
+        <a:srgbClr val="70AD47"/>
+      </a:accent6>
+      <a:hlink>
+        <a:srgbClr val="0563C1"/>
+      </a:hlink>
+      <a:folHlink>
+        <a:srgbClr val="954F72"/>
+      </a:folHlink>
+    </a:clrScheme>
+    <a:fontScheme name="Office">
+      <a:majorFont>
+        <a:latin typeface="Calibri Light" panose="020F0302020204030204"/>
+        <a:ea typeface=""/>
+        <a:cs typeface=""/>
+        <a:font script="Jpan" typeface="游ゴシック Light"/>
+        <a:font script="Hang" typeface="맑은 고딕"/>
+        <a:font script="Hans" typeface="等线 Light"/>
+        <a:font script="Hant" typeface="新細明體"/>
+        <a:font script="Arab" typeface="Times New Roman"/>
+        <a:font script="Hebr" typeface="Times New Roman"/>
+        <a:font script="Thai" typeface="Angsana New"/>
+        <a:font script="Ethi" typeface="Nyala"/>
+        <a:font script="Beng" typeface="Vrinda"/>
+        <a:font script="Gujr" typeface="Shruti"/>
+        <a:font script="Khmr" typeface="MoolBoran"/>
+        <a:font script="Knda" typeface="Tunga"/>
+        <a:font script="Guru" typeface="Raavi"/>
+        <a:font script="Cans" typeface="Euphemia"/>
+        <a:font script="Cher" typeface="Plantagenet Cherokee"/>
+        <a:font script="Yiii" typeface="Microsoft Yi Baiti"/>
+        <a:font script="Tibt" typeface="Microsoft Himalaya"/>
+        <a:font script="Thaa" typeface="MV Boli"/>
+        <a:font script="Deva" typeface="Mangal"/>
+        <a:font script="Telu" typeface="Gautami"/>
+        <a:font script="Taml" typeface="Latha"/>
+        <a:font script="Syrc" typeface="Estrangelo Edessa"/>
+        <a:font script="Orya" typeface="Kalinga"/>
+        <a:font script="Mlym" typeface="Kartika"/>
+        <a:font script="Laoo" typeface="DokChampa"/>
+        <a:font script="Sinh" typeface="Iskoola Pota"/>
+        <a:font script="Mong" typeface="Mongolian Baiti"/>
+        <a:font script="Viet" typeface="Times New Roman"/>
+        <a:font script="Uigh" typeface="Microsoft Uighur"/>
+        <a:font script="Geor" typeface="Sylfaen"/>
+        <a:font script="Armn" typeface="Arial"/>
+        <a:font script="Bugi" typeface="Leelawadee UI"/>
+        <a:font script="Bopo" typeface="Microsoft JhengHei"/>
+        <a:font script="Java" typeface="Javanese Text"/>
+        <a:font script="Lisu" typeface="Segoe UI"/>
+        <a:font script="Mymr" typeface="Myanmar Text"/>
+        <a:font script="Nkoo" typeface="Ebrima"/>
+        <a:font script="Olck" typeface="Nirmala UI"/>
+        <a:font script="Osma" typeface="Ebrima"/>
+        <a:font script="Phag" typeface="Phagspa"/>
+        <a:font script="Syrn" typeface="Estrangelo Edessa"/>
+        <a:font script="Syrj" typeface="Estrangelo Edessa"/>
+        <a:font script="Syre" typeface="Estrangelo Edessa"/>
+        <a:font script="Sora" typeface="Nirmala UI"/>
+        <a:font script="Tale" typeface="Microsoft Tai Le"/>
+        <a:font script="Talu" typeface="Microsoft New Tai Lue"/>
+        <a:font script="Tfng" typeface="Ebrima"/>
+      </a:majorFont>
+      <a:minorFont>
+        <a:latin typeface="Calibri" panose="020F0502020204030204"/>
+        <a:ea typeface=""/>
+        <a:cs typeface=""/>
+        <a:font script="Jpan" typeface="游ゴシック"/>
+        <a:font script="Hang" typeface="맑은 고딕"/>
+        <a:font script="Hans" typeface="等线"/>
+        <a:font script="Hant" typeface="新細明體"/>
+        <a:font script="Arab" typeface="Arial"/>
+        <a:font script="Hebr" typeface="Arial"/>
+        <a:font script="Thai" typeface="Cordia New"/>
+        <a:font script="Ethi" typeface="Nyala"/>
+        <a:font script="Beng" typeface="Vrinda"/>
+        <a:font script="Gujr" typeface="Shruti"/>
+        <a:font script="Khmr" typeface="DaunPenh"/>
+        <a:font script="Knda" typeface="Tunga"/>
+        <a:font script="Guru" typeface="Raavi"/>
+        <a:font script="Cans" typeface="Euphemia"/>
+        <a:font script="Cher" typeface="Plantagenet Cherokee"/>
+        <a:font script="Yiii" typeface="Microsoft Yi Baiti"/>
+        <a:font script="Tibt" typeface="Microsoft Himalaya"/>
+        <a:font script="Thaa" typeface="MV Boli"/>
+        <a:font script="Deva" typeface="Mangal"/>
+        <a:font script="Telu" typeface="Gautami"/>
+        <a:font script="Taml" typeface="Latha"/>
+        <a:font script="Syrc" typeface="Estrangelo Edessa"/>
+        <a:font script="Orya" typeface="Kalinga"/>
+        <a:font script="Mlym" typeface="Kartika"/>
+        <a:font script="Laoo" typeface="DokChampa"/>
+        <a:font script="Sinh" typeface="Iskoola Pota"/>
+        <a:font script="Mong" typeface="Mongolian Baiti"/>
+        <a:font script="Viet" typeface="Arial"/>
+        <a:font script="Uigh" typeface="Microsoft Uighur"/>
+        <a:font script="Geor" typeface="Sylfaen"/>
+        <a:font script="Armn" typeface="Arial"/>
+        <a:font script="Bugi" typeface="Leelawadee UI"/>
+        <a:font script="Bopo" typeface="Microsoft JhengHei"/>
+        <a:font script="Java" typeface="Javanese Text"/>
+        <a:font script="Lisu" typeface="Segoe UI"/>
+        <a:font script="Mymr" typeface="Myanmar Text"/>
+        <a:font script="Nkoo" typeface="Ebrima"/>
+        <a:font script="Olck" typeface="Nirmala UI"/>
+        <a:font script="Osma" typeface="Ebrima"/>
+        <a:font script="Phag" typeface="Phagspa"/>
+        <a:font script="Syrn" typeface="Estrangelo Edessa"/>
+        <a:font script="Syrj" typeface="Estrangelo Edessa"/>
+        <a:font script="Syre" typeface="Estrangelo Edessa"/>
+        <a:font script="Sora" typeface="Nirmala UI"/>
+        <a:font script="Tale" typeface="Microsoft Tai Le"/>
+        <a:font script="Talu" typeface="Microsoft New Tai Lue"/>
+        <a:font script="Tfng" typeface="Ebrima"/>
+      </a:minorFont>
+    </a:fontScheme>
+    <a:fmtScheme name="Office">
+      <a:fillStyleLst>
+        <a:solidFill>
+          <a:schemeClr val="phClr"/>
+        </a:solidFill>
+        <a:gradFill rotWithShape="1">
+          <a:gsLst>
+            <a:gs pos="0">
+              <a:schemeClr val="phClr">
+                <a:lumMod val="110000"/>
+                <a:satMod val="105000"/>
+                <a:tint val="67000"/>
+              </a:schemeClr>
+            </a:gs>
+            <a:gs pos="50000">
+              <a:schemeClr val="phClr">
+                <a:lumMod val="105000"/>
+                <a:satMod val="103000"/>
+                <a:tint val="73000"/>
+              </a:schemeClr>
+            </a:gs>
+            <a:gs pos="100000">
+              <a:schemeClr val="phClr">
+                <a:lumMod val="105000"/>
+                <a:satMod val="109000"/>
+                <a:tint val="81000"/>
+              </a:schemeClr>
+            </a:gs>
+          </a:gsLst>
+          <a:lin ang="5400000" scaled="0"/>
+        </a:gradFill>
+        <a:gradFill rotWithShape="1">
+          <a:gsLst>
+            <a:gs pos="0">
+              <a:schemeClr val="phClr">
+                <a:satMod val="103000"/>
+                <a:lumMod val="102000"/>
+                <a:tint val="94000"/>
+              </a:schemeClr>
+            </a:gs>
+            <a:gs pos="50000">
+              <a:schemeClr val="phClr">
+                <a:satMod val="110000"/>
+                <a:lumMod val="100000"/>
+                <a:shade val="100000"/>
+              </a:schemeClr>
+            </a:gs>
+            <a:gs pos="100000">
+              <a:schemeClr val="phClr">
+                <a:lumMod val="99000"/>
+                <a:satMod val="120000"/>
+                <a:shade val="78000"/>
+              </a:schemeClr>
+            </a:gs>
+          </a:gsLst>
+          <a:lin ang="5400000" scaled="0"/>
+        </a:gradFill>
+      </a:fillStyleLst>
+      <a:lnStyleLst>
+        <a:ln w="6350" cap="flat" cmpd="sng" algn="ctr">
+          <a:solidFill>
+            <a:schemeClr val="phClr"/>
+          </a:solidFill>
+          <a:prstDash val="solid"/>
+          <a:miter lim="800000"/>
+        </a:ln>
+        <a:ln w="12700" cap="flat" cmpd="sng" algn="ctr">
+          <a:solidFill>
+            <a:schemeClr val="phClr"/>
+          </a:solidFill>
+          <a:prstDash val="solid"/>
+          <a:miter lim="800000"/>
+        </a:ln>
+        <a:ln w="19050" cap="flat" cmpd="sng" algn="ctr">
+          <a:solidFill>
+            <a:schemeClr val="phClr"/>
+          </a:solidFill>
+          <a:prstDash val="solid"/>
+          <a:miter lim="800000"/>
+        </a:ln>
+      </a:lnStyleLst>
+      <a:effectStyleLst>
+        <a:effectStyle>
+          <a:effectLst/>
+        </a:effectStyle>
+        <a:effectStyle>
+          <a:effectLst/>
+        </a:effectStyle>
+        <a:effectStyle>
+          <a:effectLst>
+            <a:outerShdw blurRad="57150" dist="19050" dir="5400000" algn="ctr" rotWithShape="0">
+              <a:srgbClr val="000000">
+                <a:alpha val="63000"/>
+              </a:srgbClr>
+            </a:outerShdw>
+          </a:effectLst>
+        </a:effectStyle>
+      </a:effectStyleLst>
+      <a:bgFillStyleLst>
+        <a:solidFill>
+          <a:schemeClr val="phClr"/>
+        </a:solidFill>
+        <a:solidFill>
+          <a:schemeClr val="phClr">
+            <a:tint val="95000"/>
+            <a:satMod val="170000"/>
+          </a:schemeClr>
+        </a:solidFill>
+        <a:gradFill rotWithShape="1">
+          <a:gsLst>
+            <a:gs pos="0">
+              <a:schemeClr val="phClr">
+                <a:tint val="93000"/>
+                <a:satMod val="150000"/>
+                <a:shade val="98000"/>
+                <a:lumMod val="102000"/>
+              </a:schemeClr>
+            </a:gs>
+            <a:gs pos="50000">
+              <a:schemeClr val="phClr">
+                <a:tint val="98000"/>
+                <a:satMod val="130000"/>
+                <a:shade val="90000"/>
+                <a:lumMod val="103000"/>
+              </a:schemeClr>
+            </a:gs>
+            <a:gs pos="100000">
+              <a:schemeClr val="phClr">
+                <a:shade val="63000"/>
+                <a:satMod val="120000"/>
+              </a:schemeClr>
+            </a:gs>
+          </a:gsLst>
+          <a:lin ang="5400000" scaled="0"/>
+        </a:gradFill>
+      </a:bgFillStyleLst>
+    </a:fmtScheme>
+  </a:themeElements>
+  <a:objectDefaults/>
+  <a:extraClrSchemeLst/>
+  <a:extLst>
+    <a:ext uri="{05A4C25C-085E-4340-85A3-A5531E510DB2}">
+      <thm15:themeFamily xmlns:thm15="http://schemas.microsoft.com/office/thememl/2012/main" name="Office Theme" id="{62F939B6-93AF-4DB8-9C6B-D6C7DFDC589F}" vid="{4A3C46E8-61CC-4603-A589-7422A47A8E4A}"/>
+    </a:ext>
+  </a:extLst>
+</a:theme>
 </file>
--- a/Projekt - HeiseMatrix/MySQL.pptx
+++ b/Projekt - HeiseMatrix/MySQL.pptx
@@ -1446,7 +1446,7 @@
         </a:ln>
         <a:extLst xmlns:a="http://schemas.openxmlformats.org/drawingml/2006/main">
           <a:ext uri="{909E8E84-426E-40dd-AFC4-6F175D3DCCD1}">
-            <a14:hiddenFill xmlns:a14="http://schemas.microsoft.com/office/drawing/2010/main" xmlns="">
+            <a14:hiddenFill xmlns="" xmlns:a14="http://schemas.microsoft.com/office/drawing/2010/main">
               <a:noFill/>
             </a14:hiddenFill>
           </a:ext>
@@ -1490,7 +1490,7 @@
         </a:ln>
         <a:extLst xmlns:a="http://schemas.openxmlformats.org/drawingml/2006/main">
           <a:ext uri="{909E8E84-426E-40dd-AFC4-6F175D3DCCD1}">
-            <a14:hiddenFill xmlns:a14="http://schemas.microsoft.com/office/drawing/2010/main" xmlns="">
+            <a14:hiddenFill xmlns="" xmlns:a14="http://schemas.microsoft.com/office/drawing/2010/main">
               <a:noFill/>
             </a14:hiddenFill>
           </a:ext>
@@ -1534,7 +1534,7 @@
         </a:ln>
         <a:extLst xmlns:a="http://schemas.openxmlformats.org/drawingml/2006/main">
           <a:ext uri="{909E8E84-426E-40dd-AFC4-6F175D3DCCD1}">
-            <a14:hiddenFill xmlns:a14="http://schemas.microsoft.com/office/drawing/2010/main" xmlns="">
+            <a14:hiddenFill xmlns="" xmlns:a14="http://schemas.microsoft.com/office/drawing/2010/main">
               <a:noFill/>
             </a14:hiddenFill>
           </a:ext>
@@ -1578,7 +1578,7 @@
         </a:ln>
         <a:extLst xmlns:a="http://schemas.openxmlformats.org/drawingml/2006/main">
           <a:ext uri="{909E8E84-426E-40dd-AFC4-6F175D3DCCD1}">
-            <a14:hiddenFill xmlns:a14="http://schemas.microsoft.com/office/drawing/2010/main" xmlns="">
+            <a14:hiddenFill xmlns="" xmlns:a14="http://schemas.microsoft.com/office/drawing/2010/main">
               <a:noFill/>
             </a14:hiddenFill>
           </a:ext>
@@ -1622,7 +1622,7 @@
         </a:ln>
         <a:extLst xmlns:a="http://schemas.openxmlformats.org/drawingml/2006/main">
           <a:ext uri="{909E8E84-426E-40dd-AFC4-6F175D3DCCD1}">
-            <a14:hiddenFill xmlns:a14="http://schemas.microsoft.com/office/drawing/2010/main" xmlns="">
+            <a14:hiddenFill xmlns="" xmlns:a14="http://schemas.microsoft.com/office/drawing/2010/main">
               <a:noFill/>
             </a14:hiddenFill>
           </a:ext>
@@ -1727,7 +1727,7 @@
           <a:p>
             <a:fld id="{9D072F89-4AF2-4469-804F-564BF4C2CB2D}" type="datetimeFigureOut">
               <a:rPr lang="de-DE" smtClean="0"/>
-              <a:t>12.10.2022</a:t>
+              <a:t>13.10.2022</a:t>
             </a:fld>
             <a:endParaRPr lang="de-DE"/>
           </a:p>
@@ -1873,14 +1873,14 @@
           <a:effectLst/>
           <a:extLst>
             <a:ext uri="{909E8E84-426E-40dd-AFC4-6F175D3DCCD1}">
-              <a14:hiddenFill xmlns:a14="http://schemas.microsoft.com/office/drawing/2010/main" xmlns="">
+              <a14:hiddenFill xmlns="" xmlns:a14="http://schemas.microsoft.com/office/drawing/2010/main">
                 <a:solidFill>
                   <a:schemeClr val="accent1"/>
                 </a:solidFill>
               </a14:hiddenFill>
             </a:ext>
             <a:ext uri="{91240B29-F687-4f45-9708-019B960494DF}">
-              <a14:hiddenLine xmlns:a14="http://schemas.microsoft.com/office/drawing/2010/main" xmlns="" w="9525">
+              <a14:hiddenLine xmlns="" xmlns:a14="http://schemas.microsoft.com/office/drawing/2010/main" w="9525">
                 <a:solidFill>
                   <a:schemeClr val="tx1"/>
                 </a:solidFill>
@@ -1890,7 +1890,7 @@
               </a14:hiddenLine>
             </a:ext>
             <a:ext uri="{AF507438-7753-43e0-B8FC-AC1667EBCBE1}">
-              <a14:hiddenEffects xmlns:a14="http://schemas.microsoft.com/office/drawing/2010/main" xmlns="">
+              <a14:hiddenEffects xmlns="" xmlns:a14="http://schemas.microsoft.com/office/drawing/2010/main">
                 <a:effectLst>
                   <a:outerShdw dist="35921" dir="2700000" algn="ctr" rotWithShape="0">
                     <a:schemeClr val="bg2"/>
@@ -1941,14 +1941,14 @@
           <a:effectLst/>
           <a:extLst>
             <a:ext uri="{909E8E84-426E-40dd-AFC4-6F175D3DCCD1}">
-              <a14:hiddenFill xmlns:a14="http://schemas.microsoft.com/office/drawing/2010/main" xmlns="">
+              <a14:hiddenFill xmlns="" xmlns:a14="http://schemas.microsoft.com/office/drawing/2010/main">
                 <a:solidFill>
                   <a:schemeClr val="accent1"/>
                 </a:solidFill>
               </a14:hiddenFill>
             </a:ext>
             <a:ext uri="{91240B29-F687-4f45-9708-019B960494DF}">
-              <a14:hiddenLine xmlns:a14="http://schemas.microsoft.com/office/drawing/2010/main" xmlns="" w="9525">
+              <a14:hiddenLine xmlns="" xmlns:a14="http://schemas.microsoft.com/office/drawing/2010/main" w="9525">
                 <a:solidFill>
                   <a:schemeClr val="tx1"/>
                 </a:solidFill>
@@ -1958,7 +1958,7 @@
               </a14:hiddenLine>
             </a:ext>
             <a:ext uri="{AF507438-7753-43e0-B8FC-AC1667EBCBE1}">
-              <a14:hiddenEffects xmlns:a14="http://schemas.microsoft.com/office/drawing/2010/main" xmlns="">
+              <a14:hiddenEffects xmlns="" xmlns:a14="http://schemas.microsoft.com/office/drawing/2010/main">
                 <a:effectLst>
                   <a:outerShdw dist="35921" dir="2700000" algn="ctr" rotWithShape="0">
                     <a:schemeClr val="bg2"/>
@@ -2014,7 +2014,7 @@
           <a:effectLst/>
           <a:extLst>
             <a:ext uri="{AF507438-7753-43e0-B8FC-AC1667EBCBE1}">
-              <a14:hiddenEffects xmlns:a14="http://schemas.microsoft.com/office/drawing/2010/main" xmlns="">
+              <a14:hiddenEffects xmlns="" xmlns:a14="http://schemas.microsoft.com/office/drawing/2010/main">
                 <a:effectLst>
                   <a:outerShdw dist="35921" dir="2700000" algn="ctr" rotWithShape="0">
                     <a:srgbClr val="808080"/>
@@ -2023,7 +2023,7 @@
               </a14:hiddenEffects>
             </a:ext>
             <a:ext uri="{53640926-AAD7-44d8-BBD7-CCE9431645EC}">
-              <a14:shadowObscured xmlns:a14="http://schemas.microsoft.com/office/drawing/2010/main" xmlns="" val="1"/>
+              <a14:shadowObscured xmlns="" xmlns:a14="http://schemas.microsoft.com/office/drawing/2010/main" val="1"/>
             </a:ext>
           </a:extLst>
         </p:spPr>
@@ -2053,14 +2053,14 @@
           <a:effectLst/>
           <a:extLst>
             <a:ext uri="{909E8E84-426E-40dd-AFC4-6F175D3DCCD1}">
-              <a14:hiddenFill xmlns:a14="http://schemas.microsoft.com/office/drawing/2010/main" xmlns="">
+              <a14:hiddenFill xmlns="" xmlns:a14="http://schemas.microsoft.com/office/drawing/2010/main">
                 <a:solidFill>
                   <a:schemeClr val="accent1"/>
                 </a:solidFill>
               </a14:hiddenFill>
             </a:ext>
             <a:ext uri="{91240B29-F687-4f45-9708-019B960494DF}">
-              <a14:hiddenLine xmlns:a14="http://schemas.microsoft.com/office/drawing/2010/main" xmlns="" w="9525">
+              <a14:hiddenLine xmlns="" xmlns:a14="http://schemas.microsoft.com/office/drawing/2010/main" w="9525">
                 <a:solidFill>
                   <a:schemeClr val="tx1"/>
                 </a:solidFill>
@@ -2070,7 +2070,7 @@
               </a14:hiddenLine>
             </a:ext>
             <a:ext uri="{AF507438-7753-43e0-B8FC-AC1667EBCBE1}">
-              <a14:hiddenEffects xmlns:a14="http://schemas.microsoft.com/office/drawing/2010/main" xmlns="">
+              <a14:hiddenEffects xmlns="" xmlns:a14="http://schemas.microsoft.com/office/drawing/2010/main">
                 <a:effectLst>
                   <a:outerShdw dist="35921" dir="2700000" algn="ctr" rotWithShape="0">
                     <a:schemeClr val="bg2"/>
@@ -2149,14 +2149,14 @@
           <a:effectLst/>
           <a:extLst>
             <a:ext uri="{909E8E84-426E-40dd-AFC4-6F175D3DCCD1}">
-              <a14:hiddenFill xmlns:a14="http://schemas.microsoft.com/office/drawing/2010/main" xmlns="">
+              <a14:hiddenFill xmlns="" xmlns:a14="http://schemas.microsoft.com/office/drawing/2010/main">
                 <a:solidFill>
                   <a:schemeClr val="accent1"/>
                 </a:solidFill>
               </a14:hiddenFill>
             </a:ext>
             <a:ext uri="{91240B29-F687-4f45-9708-019B960494DF}">
-              <a14:hiddenLine xmlns:a14="http://schemas.microsoft.com/office/drawing/2010/main" xmlns="" w="9525">
+              <a14:hiddenLine xmlns="" xmlns:a14="http://schemas.microsoft.com/office/drawing/2010/main" w="9525">
                 <a:solidFill>
                   <a:schemeClr val="tx1"/>
                 </a:solidFill>
@@ -2166,7 +2166,7 @@
               </a14:hiddenLine>
             </a:ext>
             <a:ext uri="{AF507438-7753-43e0-B8FC-AC1667EBCBE1}">
-              <a14:hiddenEffects xmlns:a14="http://schemas.microsoft.com/office/drawing/2010/main" xmlns="">
+              <a14:hiddenEffects xmlns="" xmlns:a14="http://schemas.microsoft.com/office/drawing/2010/main">
                 <a:effectLst>
                   <a:outerShdw dist="35921" dir="2700000" algn="ctr" rotWithShape="0">
                     <a:schemeClr val="bg2"/>
@@ -2217,14 +2217,14 @@
           <a:effectLst/>
           <a:extLst>
             <a:ext uri="{909E8E84-426E-40dd-AFC4-6F175D3DCCD1}">
-              <a14:hiddenFill xmlns:a14="http://schemas.microsoft.com/office/drawing/2010/main" xmlns="">
+              <a14:hiddenFill xmlns="" xmlns:a14="http://schemas.microsoft.com/office/drawing/2010/main">
                 <a:solidFill>
                   <a:schemeClr val="accent1"/>
                 </a:solidFill>
               </a14:hiddenFill>
             </a:ext>
             <a:ext uri="{91240B29-F687-4f45-9708-019B960494DF}">
-              <a14:hiddenLine xmlns:a14="http://schemas.microsoft.com/office/drawing/2010/main" xmlns="" w="9525">
+              <a14:hiddenLine xmlns="" xmlns:a14="http://schemas.microsoft.com/office/drawing/2010/main" w="9525">
                 <a:solidFill>
                   <a:schemeClr val="tx1"/>
                 </a:solidFill>
@@ -2234,7 +2234,7 @@
               </a14:hiddenLine>
             </a:ext>
             <a:ext uri="{AF507438-7753-43e0-B8FC-AC1667EBCBE1}">
-              <a14:hiddenEffects xmlns:a14="http://schemas.microsoft.com/office/drawing/2010/main" xmlns="">
+              <a14:hiddenEffects xmlns="" xmlns:a14="http://schemas.microsoft.com/office/drawing/2010/main">
                 <a:effectLst>
                   <a:outerShdw dist="35921" dir="2700000" algn="ctr" rotWithShape="0">
                     <a:schemeClr val="bg2"/>
@@ -4085,14 +4085,14 @@
           <a:effectLst/>
           <a:extLst>
             <a:ext uri="{909E8E84-426E-40dd-AFC4-6F175D3DCCD1}">
-              <a14:hiddenFill xmlns:a14="http://schemas.microsoft.com/office/drawing/2010/main" xmlns="">
+              <a14:hiddenFill xmlns="" xmlns:a14="http://schemas.microsoft.com/office/drawing/2010/main">
                 <a:solidFill>
                   <a:schemeClr val="accent1"/>
                 </a:solidFill>
               </a14:hiddenFill>
             </a:ext>
             <a:ext uri="{91240B29-F687-4f45-9708-019B960494DF}">
-              <a14:hiddenLine xmlns:a14="http://schemas.microsoft.com/office/drawing/2010/main" xmlns="" w="9525">
+              <a14:hiddenLine xmlns="" xmlns:a14="http://schemas.microsoft.com/office/drawing/2010/main" w="9525">
                 <a:solidFill>
                   <a:schemeClr val="tx1"/>
                 </a:solidFill>
@@ -4102,7 +4102,7 @@
               </a14:hiddenLine>
             </a:ext>
             <a:ext uri="{AF507438-7753-43e0-B8FC-AC1667EBCBE1}">
-              <a14:hiddenEffects xmlns:a14="http://schemas.microsoft.com/office/drawing/2010/main" xmlns="">
+              <a14:hiddenEffects xmlns="" xmlns:a14="http://schemas.microsoft.com/office/drawing/2010/main">
                 <a:effectLst>
                   <a:outerShdw dist="35921" dir="2700000" algn="ctr" rotWithShape="0">
                     <a:schemeClr val="bg2"/>
@@ -4153,14 +4153,14 @@
           <a:effectLst/>
           <a:extLst>
             <a:ext uri="{909E8E84-426E-40dd-AFC4-6F175D3DCCD1}">
-              <a14:hiddenFill xmlns:a14="http://schemas.microsoft.com/office/drawing/2010/main" xmlns="">
+              <a14:hiddenFill xmlns="" xmlns:a14="http://schemas.microsoft.com/office/drawing/2010/main">
                 <a:solidFill>
                   <a:schemeClr val="accent1"/>
                 </a:solidFill>
               </a14:hiddenFill>
             </a:ext>
             <a:ext uri="{91240B29-F687-4f45-9708-019B960494DF}">
-              <a14:hiddenLine xmlns:a14="http://schemas.microsoft.com/office/drawing/2010/main" xmlns="" w="9525">
+              <a14:hiddenLine xmlns="" xmlns:a14="http://schemas.microsoft.com/office/drawing/2010/main" w="9525">
                 <a:solidFill>
                   <a:schemeClr val="tx1"/>
                 </a:solidFill>
@@ -4170,7 +4170,7 @@
               </a14:hiddenLine>
             </a:ext>
             <a:ext uri="{AF507438-7753-43e0-B8FC-AC1667EBCBE1}">
-              <a14:hiddenEffects xmlns:a14="http://schemas.microsoft.com/office/drawing/2010/main" xmlns="">
+              <a14:hiddenEffects xmlns="" xmlns:a14="http://schemas.microsoft.com/office/drawing/2010/main">
                 <a:effectLst>
                   <a:outerShdw dist="35921" dir="2700000" algn="ctr" rotWithShape="0">
                     <a:schemeClr val="bg2"/>
@@ -4249,14 +4249,14 @@
           <a:effectLst/>
           <a:extLst>
             <a:ext uri="{909E8E84-426E-40dd-AFC4-6F175D3DCCD1}">
-              <a14:hiddenFill xmlns:a14="http://schemas.microsoft.com/office/drawing/2010/main" xmlns="">
+              <a14:hiddenFill xmlns="" xmlns:a14="http://schemas.microsoft.com/office/drawing/2010/main">
                 <a:solidFill>
                   <a:schemeClr val="accent1"/>
                 </a:solidFill>
               </a14:hiddenFill>
             </a:ext>
             <a:ext uri="{91240B29-F687-4f45-9708-019B960494DF}">
-              <a14:hiddenLine xmlns:a14="http://schemas.microsoft.com/office/drawing/2010/main" xmlns="" w="9525">
+              <a14:hiddenLine xmlns="" xmlns:a14="http://schemas.microsoft.com/office/drawing/2010/main" w="9525">
                 <a:solidFill>
                   <a:schemeClr val="tx1"/>
                 </a:solidFill>
@@ -4266,7 +4266,7 @@
               </a14:hiddenLine>
             </a:ext>
             <a:ext uri="{AF507438-7753-43e0-B8FC-AC1667EBCBE1}">
-              <a14:hiddenEffects xmlns:a14="http://schemas.microsoft.com/office/drawing/2010/main" xmlns="">
+              <a14:hiddenEffects xmlns="" xmlns:a14="http://schemas.microsoft.com/office/drawing/2010/main">
                 <a:effectLst>
                   <a:outerShdw dist="35921" dir="2700000" algn="ctr" rotWithShape="0">
                     <a:schemeClr val="bg2"/>
@@ -4328,14 +4328,14 @@
           <a:effectLst/>
           <a:extLst>
             <a:ext uri="{909E8E84-426E-40dd-AFC4-6F175D3DCCD1}">
-              <a14:hiddenFill xmlns:a14="http://schemas.microsoft.com/office/drawing/2010/main" xmlns="">
+              <a14:hiddenFill xmlns="" xmlns:a14="http://schemas.microsoft.com/office/drawing/2010/main">
                 <a:solidFill>
                   <a:schemeClr val="accent1"/>
                 </a:solidFill>
               </a14:hiddenFill>
             </a:ext>
             <a:ext uri="{91240B29-F687-4f45-9708-019B960494DF}">
-              <a14:hiddenLine xmlns:a14="http://schemas.microsoft.com/office/drawing/2010/main" xmlns="" w="9525" algn="ctr">
+              <a14:hiddenLine xmlns="" xmlns:a14="http://schemas.microsoft.com/office/drawing/2010/main" w="9525" algn="ctr">
                 <a:solidFill>
                   <a:schemeClr val="tx1"/>
                 </a:solidFill>
@@ -4345,7 +4345,7 @@
               </a14:hiddenLine>
             </a:ext>
             <a:ext uri="{AF507438-7753-43e0-B8FC-AC1667EBCBE1}">
-              <a14:hiddenEffects xmlns:a14="http://schemas.microsoft.com/office/drawing/2010/main" xmlns="">
+              <a14:hiddenEffects xmlns="" xmlns:a14="http://schemas.microsoft.com/office/drawing/2010/main">
                 <a:effectLst>
                   <a:outerShdw dist="35921" dir="2700000" algn="ctr" rotWithShape="0">
                     <a:schemeClr val="bg2"/>
@@ -4503,12 +4503,12 @@
           <a:effectLst/>
           <a:extLst>
             <a:ext uri="{909E8E84-426E-40dd-AFC4-6F175D3DCCD1}">
-              <a14:hiddenFill xmlns:a14="http://schemas.microsoft.com/office/drawing/2010/main" xmlns="">
+              <a14:hiddenFill xmlns="" xmlns:a14="http://schemas.microsoft.com/office/drawing/2010/main">
                 <a:noFill/>
               </a14:hiddenFill>
             </a:ext>
             <a:ext uri="{AF507438-7753-43e0-B8FC-AC1667EBCBE1}">
-              <a14:hiddenEffects xmlns:a14="http://schemas.microsoft.com/office/drawing/2010/main" xmlns="">
+              <a14:hiddenEffects xmlns="" xmlns:a14="http://schemas.microsoft.com/office/drawing/2010/main">
                 <a:effectLst>
                   <a:outerShdw dist="35921" dir="2700000" algn="ctr" rotWithShape="0">
                     <a:schemeClr val="bg2"/>
@@ -4547,7 +4547,7 @@
         <p:spPr>
           <a:xfrm>
             <a:off x="9283700" y="0"/>
-            <a:ext cx="1431925" cy="121920"/>
+            <a:ext cx="1431925" cy="246221"/>
           </a:xfrm>
           <a:prstGeom prst="rect">
             <a:avLst/>
@@ -4560,16 +4560,23 @@
           <a:lstStyle/>
           <a:p>
             <a:pPr algn="l"/>
-            <a:r>
-              <a:rPr lang="de-DE" sz="800">
-                <a:solidFill>
-                  <a:srgbClr val="000000"/>
-                </a:solidFill>
-                <a:latin typeface="Calibri" panose="020F0502020204030204" pitchFamily="34" charset="0"/>
-                <a:cs typeface="Calibri" panose="020F0502020204030204" pitchFamily="34" charset="0"/>
-              </a:rPr>
-              <a:t>unternehmensinternes Dokument</a:t>
-            </a:r>
+            <a:endParaRPr lang="de-DE" sz="800" dirty="0">
+              <a:solidFill>
+                <a:srgbClr val="000000"/>
+              </a:solidFill>
+              <a:latin typeface="Calibri" panose="020F0502020204030204" pitchFamily="34" charset="0"/>
+              <a:cs typeface="Calibri" panose="020F0502020204030204" pitchFamily="34" charset="0"/>
+            </a:endParaRPr>
+          </a:p>
+          <a:p>
+            <a:pPr algn="l"/>
+            <a:endParaRPr lang="de-DE" sz="800" dirty="0">
+              <a:solidFill>
+                <a:srgbClr val="000000"/>
+              </a:solidFill>
+              <a:latin typeface="Calibri" panose="020F0502020204030204" pitchFamily="34" charset="0"/>
+              <a:cs typeface="Calibri" panose="020F0502020204030204" pitchFamily="34" charset="0"/>
+            </a:endParaRPr>
           </a:p>
         </p:txBody>
       </p:sp>
@@ -5079,14 +5086,14 @@
           <a:effectLst/>
           <a:extLst>
             <a:ext uri="{909E8E84-426E-40dd-AFC4-6F175D3DCCD1}">
-              <a14:hiddenFill xmlns:a14="http://schemas.microsoft.com/office/drawing/2010/main" xmlns="">
+              <a14:hiddenFill xmlns="" xmlns:a14="http://schemas.microsoft.com/office/drawing/2010/main">
                 <a:solidFill>
                   <a:schemeClr val="accent1"/>
                 </a:solidFill>
               </a14:hiddenFill>
             </a:ext>
             <a:ext uri="{91240B29-F687-4f45-9708-019B960494DF}">
-              <a14:hiddenLine xmlns:a14="http://schemas.microsoft.com/office/drawing/2010/main" xmlns="" w="9525" algn="ctr">
+              <a14:hiddenLine xmlns="" xmlns:a14="http://schemas.microsoft.com/office/drawing/2010/main" w="9525" algn="ctr">
                 <a:solidFill>
                   <a:schemeClr val="tx1"/>
                 </a:solidFill>
@@ -5096,7 +5103,7 @@
               </a14:hiddenLine>
             </a:ext>
             <a:ext uri="{AF507438-7753-43e0-B8FC-AC1667EBCBE1}">
-              <a14:hiddenEffects xmlns:a14="http://schemas.microsoft.com/office/drawing/2010/main" xmlns="">
+              <a14:hiddenEffects xmlns="" xmlns:a14="http://schemas.microsoft.com/office/drawing/2010/main">
                 <a:effectLst>
                   <a:outerShdw dist="35921" dir="2700000" algn="ctr" rotWithShape="0">
                     <a:schemeClr val="bg2"/>
@@ -5279,14 +5286,14 @@
           <a:effectLst/>
           <a:extLst>
             <a:ext uri="{909E8E84-426E-40dd-AFC4-6F175D3DCCD1}">
-              <a14:hiddenFill xmlns:a14="http://schemas.microsoft.com/office/drawing/2010/main" xmlns="">
+              <a14:hiddenFill xmlns="" xmlns:a14="http://schemas.microsoft.com/office/drawing/2010/main">
                 <a:solidFill>
                   <a:schemeClr val="accent1"/>
                 </a:solidFill>
               </a14:hiddenFill>
             </a:ext>
             <a:ext uri="{91240B29-F687-4f45-9708-019B960494DF}">
-              <a14:hiddenLine xmlns:a14="http://schemas.microsoft.com/office/drawing/2010/main" xmlns="" w="9525">
+              <a14:hiddenLine xmlns="" xmlns:a14="http://schemas.microsoft.com/office/drawing/2010/main" w="9525">
                 <a:solidFill>
                   <a:schemeClr val="tx1"/>
                 </a:solidFill>
@@ -5296,7 +5303,7 @@
               </a14:hiddenLine>
             </a:ext>
             <a:ext uri="{AF507438-7753-43e0-B8FC-AC1667EBCBE1}">
-              <a14:hiddenEffects xmlns:a14="http://schemas.microsoft.com/office/drawing/2010/main" xmlns="">
+              <a14:hiddenEffects xmlns="" xmlns:a14="http://schemas.microsoft.com/office/drawing/2010/main">
                 <a:effectLst>
                   <a:outerShdw dist="35921" dir="2700000" algn="ctr" rotWithShape="0">
                     <a:schemeClr val="bg2"/>
@@ -5347,14 +5354,14 @@
           <a:effectLst/>
           <a:extLst>
             <a:ext uri="{909E8E84-426E-40dd-AFC4-6F175D3DCCD1}">
-              <a14:hiddenFill xmlns:a14="http://schemas.microsoft.com/office/drawing/2010/main" xmlns="">
+              <a14:hiddenFill xmlns="" xmlns:a14="http://schemas.microsoft.com/office/drawing/2010/main">
                 <a:solidFill>
                   <a:schemeClr val="accent1"/>
                 </a:solidFill>
               </a14:hiddenFill>
             </a:ext>
             <a:ext uri="{91240B29-F687-4f45-9708-019B960494DF}">
-              <a14:hiddenLine xmlns:a14="http://schemas.microsoft.com/office/drawing/2010/main" xmlns="" w="9525">
+              <a14:hiddenLine xmlns="" xmlns:a14="http://schemas.microsoft.com/office/drawing/2010/main" w="9525">
                 <a:solidFill>
                   <a:schemeClr val="tx1"/>
                 </a:solidFill>
@@ -5364,7 +5371,7 @@
               </a14:hiddenLine>
             </a:ext>
             <a:ext uri="{AF507438-7753-43e0-B8FC-AC1667EBCBE1}">
-              <a14:hiddenEffects xmlns:a14="http://schemas.microsoft.com/office/drawing/2010/main" xmlns="">
+              <a14:hiddenEffects xmlns="" xmlns:a14="http://schemas.microsoft.com/office/drawing/2010/main">
                 <a:effectLst>
                   <a:outerShdw dist="35921" dir="2700000" algn="ctr" rotWithShape="0">
                     <a:schemeClr val="bg2"/>
@@ -5496,7 +5503,7 @@
           <a:noFill/>
           <a:extLst>
             <a:ext uri="{909E8E84-426E-40dd-AFC4-6F175D3DCCD1}">
-              <a14:hiddenFill xmlns:a14="http://schemas.microsoft.com/office/drawing/2010/main" xmlns="">
+              <a14:hiddenFill xmlns="" xmlns:a14="http://schemas.microsoft.com/office/drawing/2010/main">
                 <a:solidFill>
                   <a:srgbClr val="FFFFFF"/>
                 </a:solidFill>
@@ -6033,12 +6040,12 @@
           <a:effectLst/>
           <a:extLst>
             <a:ext uri="{909E8E84-426E-40dd-AFC4-6F175D3DCCD1}">
-              <a14:hiddenFill xmlns:a14="http://schemas.microsoft.com/office/drawing/2010/main" xmlns="">
+              <a14:hiddenFill xmlns="" xmlns:a14="http://schemas.microsoft.com/office/drawing/2010/main">
                 <a:noFill/>
               </a14:hiddenFill>
             </a:ext>
             <a:ext uri="{AF507438-7753-43e0-B8FC-AC1667EBCBE1}">
-              <a14:hiddenEffects xmlns:a14="http://schemas.microsoft.com/office/drawing/2010/main" xmlns="">
+              <a14:hiddenEffects xmlns="" xmlns:a14="http://schemas.microsoft.com/office/drawing/2010/main">
                 <a:effectLst>
                   <a:outerShdw dist="35921" dir="2700000" algn="ctr" rotWithShape="0">
                     <a:schemeClr val="bg2"/>
@@ -6085,12 +6092,12 @@
           <a:effectLst/>
           <a:extLst>
             <a:ext uri="{909E8E84-426E-40dd-AFC4-6F175D3DCCD1}">
-              <a14:hiddenFill xmlns:a14="http://schemas.microsoft.com/office/drawing/2010/main" xmlns="">
+              <a14:hiddenFill xmlns="" xmlns:a14="http://schemas.microsoft.com/office/drawing/2010/main">
                 <a:noFill/>
               </a14:hiddenFill>
             </a:ext>
             <a:ext uri="{AF507438-7753-43e0-B8FC-AC1667EBCBE1}">
-              <a14:hiddenEffects xmlns:a14="http://schemas.microsoft.com/office/drawing/2010/main" xmlns="">
+              <a14:hiddenEffects xmlns="" xmlns:a14="http://schemas.microsoft.com/office/drawing/2010/main">
                 <a:effectLst>
                   <a:outerShdw dist="35921" dir="2700000" algn="ctr" rotWithShape="0">
                     <a:schemeClr val="bg2"/>
@@ -6137,12 +6144,12 @@
           <a:effectLst/>
           <a:extLst>
             <a:ext uri="{909E8E84-426E-40dd-AFC4-6F175D3DCCD1}">
-              <a14:hiddenFill xmlns:a14="http://schemas.microsoft.com/office/drawing/2010/main" xmlns="">
+              <a14:hiddenFill xmlns="" xmlns:a14="http://schemas.microsoft.com/office/drawing/2010/main">
                 <a:noFill/>
               </a14:hiddenFill>
             </a:ext>
             <a:ext uri="{AF507438-7753-43e0-B8FC-AC1667EBCBE1}">
-              <a14:hiddenEffects xmlns:a14="http://schemas.microsoft.com/office/drawing/2010/main" xmlns="">
+              <a14:hiddenEffects xmlns="" xmlns:a14="http://schemas.microsoft.com/office/drawing/2010/main">
                 <a:effectLst>
                   <a:outerShdw dist="35921" dir="2700000" algn="ctr" rotWithShape="0">
                     <a:schemeClr val="bg2"/>
@@ -6189,12 +6196,12 @@
           <a:effectLst/>
           <a:extLst>
             <a:ext uri="{909E8E84-426E-40dd-AFC4-6F175D3DCCD1}">
-              <a14:hiddenFill xmlns:a14="http://schemas.microsoft.com/office/drawing/2010/main" xmlns="">
+              <a14:hiddenFill xmlns="" xmlns:a14="http://schemas.microsoft.com/office/drawing/2010/main">
                 <a:noFill/>
               </a14:hiddenFill>
             </a:ext>
             <a:ext uri="{AF507438-7753-43e0-B8FC-AC1667EBCBE1}">
-              <a14:hiddenEffects xmlns:a14="http://schemas.microsoft.com/office/drawing/2010/main" xmlns="">
+              <a14:hiddenEffects xmlns="" xmlns:a14="http://schemas.microsoft.com/office/drawing/2010/main">
                 <a:effectLst>
                   <a:outerShdw dist="35921" dir="2700000" algn="ctr" rotWithShape="0">
                     <a:schemeClr val="bg2"/>
@@ -6241,12 +6248,12 @@
           <a:effectLst/>
           <a:extLst>
             <a:ext uri="{909E8E84-426E-40dd-AFC4-6F175D3DCCD1}">
-              <a14:hiddenFill xmlns:a14="http://schemas.microsoft.com/office/drawing/2010/main" xmlns="">
+              <a14:hiddenFill xmlns="" xmlns:a14="http://schemas.microsoft.com/office/drawing/2010/main">
                 <a:noFill/>
               </a14:hiddenFill>
             </a:ext>
             <a:ext uri="{AF507438-7753-43e0-B8FC-AC1667EBCBE1}">
-              <a14:hiddenEffects xmlns:a14="http://schemas.microsoft.com/office/drawing/2010/main" xmlns="">
+              <a14:hiddenEffects xmlns="" xmlns:a14="http://schemas.microsoft.com/office/drawing/2010/main">
                 <a:effectLst>
                   <a:outerShdw dist="35921" dir="2700000" algn="ctr" rotWithShape="0">
                     <a:schemeClr val="bg2"/>
@@ -6293,12 +6300,12 @@
           <a:effectLst/>
           <a:extLst>
             <a:ext uri="{909E8E84-426E-40dd-AFC4-6F175D3DCCD1}">
-              <a14:hiddenFill xmlns:a14="http://schemas.microsoft.com/office/drawing/2010/main" xmlns="">
+              <a14:hiddenFill xmlns="" xmlns:a14="http://schemas.microsoft.com/office/drawing/2010/main">
                 <a:noFill/>
               </a14:hiddenFill>
             </a:ext>
             <a:ext uri="{AF507438-7753-43e0-B8FC-AC1667EBCBE1}">
-              <a14:hiddenEffects xmlns:a14="http://schemas.microsoft.com/office/drawing/2010/main" xmlns="">
+              <a14:hiddenEffects xmlns="" xmlns:a14="http://schemas.microsoft.com/office/drawing/2010/main">
                 <a:effectLst>
                   <a:outerShdw dist="35921" dir="2700000" algn="ctr" rotWithShape="0">
                     <a:schemeClr val="bg2"/>
@@ -6379,14 +6386,14 @@
           <a:effectLst/>
           <a:extLst>
             <a:ext uri="{909E8E84-426E-40dd-AFC4-6F175D3DCCD1}">
-              <a14:hiddenFill xmlns:a14="http://schemas.microsoft.com/office/drawing/2010/main" xmlns="">
+              <a14:hiddenFill xmlns="" xmlns:a14="http://schemas.microsoft.com/office/drawing/2010/main">
                 <a:solidFill>
                   <a:srgbClr val="FFFFFF"/>
                 </a:solidFill>
               </a14:hiddenFill>
             </a:ext>
             <a:ext uri="{AF507438-7753-43e0-B8FC-AC1667EBCBE1}">
-              <a14:hiddenEffects xmlns:a14="http://schemas.microsoft.com/office/drawing/2010/main" xmlns="">
+              <a14:hiddenEffects xmlns="" xmlns:a14="http://schemas.microsoft.com/office/drawing/2010/main">
                 <a:effectLst>
                   <a:outerShdw dist="35921" dir="2700000" algn="ctr" rotWithShape="0">
                     <a:schemeClr val="bg2"/>
@@ -6467,14 +6474,14 @@
           <a:effectLst/>
           <a:extLst>
             <a:ext uri="{909E8E84-426E-40dd-AFC4-6F175D3DCCD1}">
-              <a14:hiddenFill xmlns:a14="http://schemas.microsoft.com/office/drawing/2010/main" xmlns="">
+              <a14:hiddenFill xmlns="" xmlns:a14="http://schemas.microsoft.com/office/drawing/2010/main">
                 <a:solidFill>
                   <a:srgbClr val="FFFFFF"/>
                 </a:solidFill>
               </a14:hiddenFill>
             </a:ext>
             <a:ext uri="{AF507438-7753-43e0-B8FC-AC1667EBCBE1}">
-              <a14:hiddenEffects xmlns:a14="http://schemas.microsoft.com/office/drawing/2010/main" xmlns="">
+              <a14:hiddenEffects xmlns="" xmlns:a14="http://schemas.microsoft.com/office/drawing/2010/main">
                 <a:effectLst>
                   <a:outerShdw dist="35921" dir="2700000" algn="ctr" rotWithShape="0">
                     <a:schemeClr val="bg2"/>
@@ -6521,12 +6528,12 @@
           <a:effectLst/>
           <a:extLst>
             <a:ext uri="{909E8E84-426E-40dd-AFC4-6F175D3DCCD1}">
-              <a14:hiddenFill xmlns:a14="http://schemas.microsoft.com/office/drawing/2010/main" xmlns="">
+              <a14:hiddenFill xmlns="" xmlns:a14="http://schemas.microsoft.com/office/drawing/2010/main">
                 <a:noFill/>
               </a14:hiddenFill>
             </a:ext>
             <a:ext uri="{AF507438-7753-43e0-B8FC-AC1667EBCBE1}">
-              <a14:hiddenEffects xmlns:a14="http://schemas.microsoft.com/office/drawing/2010/main" xmlns="">
+              <a14:hiddenEffects xmlns="" xmlns:a14="http://schemas.microsoft.com/office/drawing/2010/main">
                 <a:effectLst>
                   <a:outerShdw dist="35921" dir="2700000" algn="ctr" rotWithShape="0">
                     <a:schemeClr val="bg2"/>
@@ -6717,14 +6724,14 @@
           <a:ln/>
           <a:extLst>
             <a:ext uri="{909E8E84-426E-40dd-AFC4-6F175D3DCCD1}">
-              <a14:hiddenFill xmlns:a14="http://schemas.microsoft.com/office/drawing/2010/main" xmlns="">
+              <a14:hiddenFill xmlns="" xmlns:a14="http://schemas.microsoft.com/office/drawing/2010/main">
                 <a:solidFill>
                   <a:srgbClr val="FF9900"/>
                 </a:solidFill>
               </a14:hiddenFill>
             </a:ext>
             <a:ext uri="{91240B29-F687-4f45-9708-019B960494DF}">
-              <a14:hiddenLine xmlns:a14="http://schemas.microsoft.com/office/drawing/2010/main" xmlns="" w="9525">
+              <a14:hiddenLine xmlns="" xmlns:a14="http://schemas.microsoft.com/office/drawing/2010/main" w="9525">
                 <a:solidFill>
                   <a:srgbClr val="000000"/>
                 </a:solidFill>
@@ -11364,14 +11371,14 @@
           <a:effectLst/>
           <a:extLst>
             <a:ext uri="{909E8E84-426E-40dd-AFC4-6F175D3DCCD1}">
-              <a14:hiddenFill xmlns:a14="http://schemas.microsoft.com/office/drawing/2010/main" xmlns="">
+              <a14:hiddenFill xmlns="" xmlns:a14="http://schemas.microsoft.com/office/drawing/2010/main">
                 <a:solidFill>
                   <a:schemeClr val="accent1"/>
                 </a:solidFill>
               </a14:hiddenFill>
             </a:ext>
             <a:ext uri="{91240B29-F687-4f45-9708-019B960494DF}">
-              <a14:hiddenLine xmlns:a14="http://schemas.microsoft.com/office/drawing/2010/main" xmlns="" w="9525">
+              <a14:hiddenLine xmlns="" xmlns:a14="http://schemas.microsoft.com/office/drawing/2010/main" w="9525">
                 <a:solidFill>
                   <a:schemeClr val="tx1"/>
                 </a:solidFill>
@@ -11381,7 +11388,7 @@
               </a14:hiddenLine>
             </a:ext>
             <a:ext uri="{AF507438-7753-43e0-B8FC-AC1667EBCBE1}">
-              <a14:hiddenEffects xmlns:a14="http://schemas.microsoft.com/office/drawing/2010/main" xmlns="">
+              <a14:hiddenEffects xmlns="" xmlns:a14="http://schemas.microsoft.com/office/drawing/2010/main">
                 <a:effectLst>
                   <a:outerShdw dist="35921" dir="2700000" algn="ctr" rotWithShape="0">
                     <a:schemeClr val="bg2"/>
@@ -11520,14 +11527,14 @@
           <a:effectLst/>
           <a:extLst>
             <a:ext uri="{909E8E84-426E-40dd-AFC4-6F175D3DCCD1}">
-              <a14:hiddenFill xmlns:a14="http://schemas.microsoft.com/office/drawing/2010/main" xmlns="">
+              <a14:hiddenFill xmlns="" xmlns:a14="http://schemas.microsoft.com/office/drawing/2010/main">
                 <a:solidFill>
                   <a:schemeClr val="accent1"/>
                 </a:solidFill>
               </a14:hiddenFill>
             </a:ext>
             <a:ext uri="{91240B29-F687-4f45-9708-019B960494DF}">
-              <a14:hiddenLine xmlns:a14="http://schemas.microsoft.com/office/drawing/2010/main" xmlns="" w="9525">
+              <a14:hiddenLine xmlns="" xmlns:a14="http://schemas.microsoft.com/office/drawing/2010/main" w="9525">
                 <a:solidFill>
                   <a:schemeClr val="tx1"/>
                 </a:solidFill>
@@ -11537,7 +11544,7 @@
               </a14:hiddenLine>
             </a:ext>
             <a:ext uri="{AF507438-7753-43e0-B8FC-AC1667EBCBE1}">
-              <a14:hiddenEffects xmlns:a14="http://schemas.microsoft.com/office/drawing/2010/main" xmlns="">
+              <a14:hiddenEffects xmlns="" xmlns:a14="http://schemas.microsoft.com/office/drawing/2010/main">
                 <a:effectLst>
                   <a:outerShdw dist="35921" dir="2700000" algn="ctr" rotWithShape="0">
                     <a:schemeClr val="bg2"/>
@@ -11836,7 +11843,7 @@
         <a:effectLst/>
         <a:extLst>
           <a:ext uri="{AF507438-7753-43e0-B8FC-AC1667EBCBE1}">
-            <a14:hiddenEffects xmlns:a14="http://schemas.microsoft.com/office/drawing/2010/main" xmlns="">
+            <a14:hiddenEffects xmlns="" xmlns:a14="http://schemas.microsoft.com/office/drawing/2010/main">
               <a:effectLst>
                 <a:outerShdw dist="35921" dir="2700000" algn="ctr" rotWithShape="0">
                   <a:schemeClr val="bg2"/>
@@ -11909,7 +11916,7 @@
         <a:effectLst/>
         <a:extLst>
           <a:ext uri="{AF507438-7753-43e0-B8FC-AC1667EBCBE1}">
-            <a14:hiddenEffects xmlns:a14="http://schemas.microsoft.com/office/drawing/2010/main" xmlns="">
+            <a14:hiddenEffects xmlns="" xmlns:a14="http://schemas.microsoft.com/office/drawing/2010/main">
               <a:effectLst>
                 <a:outerShdw dist="35921" dir="2700000" algn="ctr" rotWithShape="0">
                   <a:schemeClr val="bg2"/>
